--- a/async/docs/AsyncIO.pptx
+++ b/async/docs/AsyncIO.pptx
@@ -2,7 +2,7 @@
 <file path=ppt/presentation.xml><?xml version="1.0" encoding="utf-8"?>
 <p:presentation xmlns:a="http://schemas.openxmlformats.org/drawingml/2006/main" xmlns:r="http://schemas.openxmlformats.org/officeDocument/2006/relationships" xmlns:mc="http://schemas.openxmlformats.org/markup-compatibility/2006" xmlns:mv="urn:schemas-microsoft-com:mac:vml" xmlns:p="http://schemas.openxmlformats.org/presentationml/2006/main" xmlns:c="http://schemas.openxmlformats.org/drawingml/2006/chart" xmlns:dgm="http://schemas.openxmlformats.org/drawingml/2006/diagram" xmlns:o="urn:schemas-microsoft-com:office:office" xmlns:v="urn:schemas-microsoft-com:vml" xmlns:pvml="urn:schemas-microsoft-com:office:powerpoint" xmlns:com="http://schemas.openxmlformats.org/drawingml/2006/compatibility" xmlns:p14="http://schemas.microsoft.com/office/powerpoint/2010/main" xmlns:p15="http://schemas.microsoft.com/office/powerpoint/2012/main" autoCompressPictures="0" embedTrueTypeFonts="1" strictFirstAndLastChars="0" saveSubsetFonts="1">
   <p:sldMasterIdLst>
-    <p:sldMasterId id="2147483662" r:id="rId3"/>
+    <p:sldMasterId id="2147483663" r:id="rId3"/>
   </p:sldMasterIdLst>
   <p:notesMasterIdLst>
     <p:notesMasterId r:id="rId4"/>
@@ -15,36 +15,37 @@
     <p:sldId id="260" r:id="rId9"/>
     <p:sldId id="261" r:id="rId10"/>
     <p:sldId id="262" r:id="rId11"/>
+    <p:sldId id="263" r:id="rId12"/>
   </p:sldIdLst>
   <p:sldSz cy="5715000" cx="9144000"/>
   <p:notesSz cx="6858000" cy="9144000"/>
   <p:embeddedFontLst>
     <p:embeddedFont>
       <p:font typeface="Nunito"/>
-      <p:regular r:id="rId12"/>
-      <p:bold r:id="rId13"/>
-      <p:italic r:id="rId14"/>
-      <p:boldItalic r:id="rId15"/>
+      <p:regular r:id="rId13"/>
+      <p:bold r:id="rId14"/>
+      <p:italic r:id="rId15"/>
+      <p:boldItalic r:id="rId16"/>
     </p:embeddedFont>
     <p:embeddedFont>
       <p:font typeface="Inconsolata"/>
-      <p:regular r:id="rId16"/>
-      <p:bold r:id="rId17"/>
+      <p:regular r:id="rId17"/>
+      <p:bold r:id="rId18"/>
     </p:embeddedFont>
     <p:embeddedFont>
       <p:font typeface="Macondo"/>
-      <p:regular r:id="rId18"/>
+      <p:regular r:id="rId19"/>
     </p:embeddedFont>
     <p:embeddedFont>
       <p:font typeface="Exo 2 Medium"/>
-      <p:regular r:id="rId19"/>
-      <p:bold r:id="rId20"/>
-      <p:italic r:id="rId21"/>
-      <p:boldItalic r:id="rId22"/>
+      <p:regular r:id="rId20"/>
+      <p:bold r:id="rId21"/>
+      <p:italic r:id="rId22"/>
+      <p:boldItalic r:id="rId23"/>
     </p:embeddedFont>
     <p:embeddedFont>
       <p:font typeface="Macondo Swash Caps"/>
-      <p:regular r:id="rId23"/>
+      <p:regular r:id="rId24"/>
     </p:embeddedFont>
   </p:embeddedFontLst>
   <p:defaultTextStyle>
@@ -424,101 +425,6 @@
   <p:cSld>
     <p:spTree>
       <p:nvGrpSpPr>
-        <p:cNvPr id="144" name="Shape 144"/>
-        <p:cNvGrpSpPr/>
-        <p:nvPr/>
-      </p:nvGrpSpPr>
-      <p:grpSpPr>
-        <a:xfrm>
-          <a:off x="0" y="0"/>
-          <a:ext cx="0" cy="0"/>
-          <a:chOff x="0" y="0"/>
-          <a:chExt cx="0" cy="0"/>
-        </a:xfrm>
-      </p:grpSpPr>
-      <p:sp>
-        <p:nvSpPr>
-          <p:cNvPr id="145" name="Shape 145"/>
-          <p:cNvSpPr/>
-          <p:nvPr>
-            <p:ph idx="2" type="sldImg"/>
-          </p:nvPr>
-        </p:nvSpPr>
-        <p:spPr>
-          <a:xfrm>
-            <a:off x="686100" y="685800"/>
-            <a:ext cx="5486400" cy="3429000"/>
-          </a:xfrm>
-          <a:custGeom>
-            <a:pathLst>
-              <a:path extrusionOk="0" h="120000" w="120000">
-                <a:moveTo>
-                  <a:pt x="0" y="0"/>
-                </a:moveTo>
-                <a:lnTo>
-                  <a:pt x="120000" y="0"/>
-                </a:lnTo>
-                <a:lnTo>
-                  <a:pt x="120000" y="120000"/>
-                </a:lnTo>
-                <a:lnTo>
-                  <a:pt x="0" y="120000"/>
-                </a:lnTo>
-                <a:close/>
-              </a:path>
-            </a:pathLst>
-          </a:custGeom>
-        </p:spPr>
-      </p:sp>
-      <p:sp>
-        <p:nvSpPr>
-          <p:cNvPr id="146" name="Shape 146"/>
-          <p:cNvSpPr txBox="1"/>
-          <p:nvPr>
-            <p:ph idx="1" type="body"/>
-          </p:nvPr>
-        </p:nvSpPr>
-        <p:spPr>
-          <a:xfrm>
-            <a:off x="685800" y="4343400"/>
-            <a:ext cx="5486400" cy="4114800"/>
-          </a:xfrm>
-          <a:prstGeom prst="rect">
-            <a:avLst/>
-          </a:prstGeom>
-        </p:spPr>
-        <p:txBody>
-          <a:bodyPr anchorCtr="0" anchor="t" bIns="91425" lIns="91425" rIns="91425" wrap="square" tIns="91425">
-            <a:noAutofit/>
-          </a:bodyPr>
-          <a:lstStyle/>
-          <a:p>
-            <a:pPr lvl="0">
-              <a:spcBef>
-                <a:spcPts val="0"/>
-              </a:spcBef>
-              <a:buNone/>
-            </a:pPr>
-            <a:r>
-              <a:t/>
-            </a:r>
-            <a:endParaRPr/>
-          </a:p>
-        </p:txBody>
-      </p:sp>
-    </p:spTree>
-  </p:cSld>
-  <p:clrMapOvr>
-    <a:masterClrMapping/>
-  </p:clrMapOvr>
-</p:notes>
-</file>
-
-<file path=ppt/notesSlides/notesSlide2.xml><?xml version="1.0" encoding="utf-8"?>
-<p:notes xmlns:a="http://schemas.openxmlformats.org/drawingml/2006/main" xmlns:r="http://schemas.openxmlformats.org/officeDocument/2006/relationships" xmlns:mc="http://schemas.openxmlformats.org/markup-compatibility/2006" xmlns:mv="urn:schemas-microsoft-com:mac:vml" xmlns:p="http://schemas.openxmlformats.org/presentationml/2006/main" xmlns:c="http://schemas.openxmlformats.org/drawingml/2006/chart" xmlns:dgm="http://schemas.openxmlformats.org/drawingml/2006/diagram" xmlns:o="urn:schemas-microsoft-com:office:office" xmlns:v="urn:schemas-microsoft-com:vml" xmlns:pvml="urn:schemas-microsoft-com:office:powerpoint" xmlns:com="http://schemas.openxmlformats.org/drawingml/2006/compatibility" xmlns:p14="http://schemas.microsoft.com/office/powerpoint/2010/main" xmlns:p15="http://schemas.microsoft.com/office/powerpoint/2012/main" showMasterPhAnim="0" showMasterSp="0">
-  <p:cSld>
-    <p:spTree>
-      <p:nvGrpSpPr>
         <p:cNvPr id="150" name="Shape 150"/>
         <p:cNvGrpSpPr/>
         <p:nvPr/>
@@ -609,12 +515,12 @@
 </p:notes>
 </file>
 
-<file path=ppt/notesSlides/notesSlide3.xml><?xml version="1.0" encoding="utf-8"?>
+<file path=ppt/notesSlides/notesSlide2.xml><?xml version="1.0" encoding="utf-8"?>
 <p:notes xmlns:a="http://schemas.openxmlformats.org/drawingml/2006/main" xmlns:r="http://schemas.openxmlformats.org/officeDocument/2006/relationships" xmlns:mc="http://schemas.openxmlformats.org/markup-compatibility/2006" xmlns:mv="urn:schemas-microsoft-com:mac:vml" xmlns:p="http://schemas.openxmlformats.org/presentationml/2006/main" xmlns:c="http://schemas.openxmlformats.org/drawingml/2006/chart" xmlns:dgm="http://schemas.openxmlformats.org/drawingml/2006/diagram" xmlns:o="urn:schemas-microsoft-com:office:office" xmlns:v="urn:schemas-microsoft-com:vml" xmlns:pvml="urn:schemas-microsoft-com:office:powerpoint" xmlns:com="http://schemas.openxmlformats.org/drawingml/2006/compatibility" xmlns:p14="http://schemas.microsoft.com/office/powerpoint/2010/main" xmlns:p15="http://schemas.microsoft.com/office/powerpoint/2012/main" showMasterPhAnim="0" showMasterSp="0">
   <p:cSld>
     <p:spTree>
       <p:nvGrpSpPr>
-        <p:cNvPr id="157" name="Shape 157"/>
+        <p:cNvPr id="156" name="Shape 156"/>
         <p:cNvGrpSpPr/>
         <p:nvPr/>
       </p:nvGrpSpPr>
@@ -628,7 +534,7 @@
       </p:grpSpPr>
       <p:sp>
         <p:nvSpPr>
-          <p:cNvPr id="158" name="Shape 158"/>
+          <p:cNvPr id="157" name="Shape 157"/>
           <p:cNvSpPr/>
           <p:nvPr>
             <p:ph idx="2" type="sldImg"/>
@@ -662,7 +568,7 @@
       </p:sp>
       <p:sp>
         <p:nvSpPr>
-          <p:cNvPr id="159" name="Shape 159"/>
+          <p:cNvPr id="158" name="Shape 158"/>
           <p:cNvSpPr txBox="1"/>
           <p:nvPr>
             <p:ph idx="1" type="body"/>
@@ -704,12 +610,12 @@
 </p:notes>
 </file>
 
-<file path=ppt/notesSlides/notesSlide4.xml><?xml version="1.0" encoding="utf-8"?>
+<file path=ppt/notesSlides/notesSlide3.xml><?xml version="1.0" encoding="utf-8"?>
 <p:notes xmlns:a="http://schemas.openxmlformats.org/drawingml/2006/main" xmlns:r="http://schemas.openxmlformats.org/officeDocument/2006/relationships" xmlns:mc="http://schemas.openxmlformats.org/markup-compatibility/2006" xmlns:mv="urn:schemas-microsoft-com:mac:vml" xmlns:p="http://schemas.openxmlformats.org/presentationml/2006/main" xmlns:c="http://schemas.openxmlformats.org/drawingml/2006/chart" xmlns:dgm="http://schemas.openxmlformats.org/drawingml/2006/diagram" xmlns:o="urn:schemas-microsoft-com:office:office" xmlns:v="urn:schemas-microsoft-com:vml" xmlns:pvml="urn:schemas-microsoft-com:office:powerpoint" xmlns:com="http://schemas.openxmlformats.org/drawingml/2006/compatibility" xmlns:p14="http://schemas.microsoft.com/office/powerpoint/2010/main" xmlns:p15="http://schemas.microsoft.com/office/powerpoint/2012/main" showMasterPhAnim="0" showMasterSp="0">
   <p:cSld>
     <p:spTree>
       <p:nvGrpSpPr>
-        <p:cNvPr id="164" name="Shape 164"/>
+        <p:cNvPr id="163" name="Shape 163"/>
         <p:cNvGrpSpPr/>
         <p:nvPr/>
       </p:nvGrpSpPr>
@@ -723,7 +629,7 @@
       </p:grpSpPr>
       <p:sp>
         <p:nvSpPr>
-          <p:cNvPr id="165" name="Shape 165"/>
+          <p:cNvPr id="164" name="Shape 164"/>
           <p:cNvSpPr/>
           <p:nvPr>
             <p:ph idx="2" type="sldImg"/>
@@ -757,7 +663,7 @@
       </p:sp>
       <p:sp>
         <p:nvSpPr>
-          <p:cNvPr id="166" name="Shape 166"/>
+          <p:cNvPr id="165" name="Shape 165"/>
           <p:cNvSpPr txBox="1"/>
           <p:nvPr>
             <p:ph idx="1" type="body"/>
@@ -799,12 +705,12 @@
 </p:notes>
 </file>
 
-<file path=ppt/notesSlides/notesSlide5.xml><?xml version="1.0" encoding="utf-8"?>
+<file path=ppt/notesSlides/notesSlide4.xml><?xml version="1.0" encoding="utf-8"?>
 <p:notes xmlns:a="http://schemas.openxmlformats.org/drawingml/2006/main" xmlns:r="http://schemas.openxmlformats.org/officeDocument/2006/relationships" xmlns:mc="http://schemas.openxmlformats.org/markup-compatibility/2006" xmlns:mv="urn:schemas-microsoft-com:mac:vml" xmlns:p="http://schemas.openxmlformats.org/presentationml/2006/main" xmlns:c="http://schemas.openxmlformats.org/drawingml/2006/chart" xmlns:dgm="http://schemas.openxmlformats.org/drawingml/2006/diagram" xmlns:o="urn:schemas-microsoft-com:office:office" xmlns:v="urn:schemas-microsoft-com:vml" xmlns:pvml="urn:schemas-microsoft-com:office:powerpoint" xmlns:com="http://schemas.openxmlformats.org/drawingml/2006/compatibility" xmlns:p14="http://schemas.microsoft.com/office/powerpoint/2010/main" xmlns:p15="http://schemas.microsoft.com/office/powerpoint/2012/main" showMasterPhAnim="0" showMasterSp="0">
   <p:cSld>
     <p:spTree>
       <p:nvGrpSpPr>
-        <p:cNvPr id="182" name="Shape 182"/>
+        <p:cNvPr id="170" name="Shape 170"/>
         <p:cNvGrpSpPr/>
         <p:nvPr/>
       </p:nvGrpSpPr>
@@ -818,7 +724,7 @@
       </p:grpSpPr>
       <p:sp>
         <p:nvSpPr>
-          <p:cNvPr id="183" name="Shape 183"/>
+          <p:cNvPr id="171" name="Shape 171"/>
           <p:cNvSpPr/>
           <p:nvPr>
             <p:ph idx="2" type="sldImg"/>
@@ -852,7 +758,7 @@
       </p:sp>
       <p:sp>
         <p:nvSpPr>
-          <p:cNvPr id="184" name="Shape 184"/>
+          <p:cNvPr id="172" name="Shape 172"/>
           <p:cNvSpPr txBox="1"/>
           <p:nvPr>
             <p:ph idx="1" type="body"/>
@@ -894,12 +800,12 @@
 </p:notes>
 </file>
 
-<file path=ppt/notesSlides/notesSlide6.xml><?xml version="1.0" encoding="utf-8"?>
+<file path=ppt/notesSlides/notesSlide5.xml><?xml version="1.0" encoding="utf-8"?>
 <p:notes xmlns:a="http://schemas.openxmlformats.org/drawingml/2006/main" xmlns:r="http://schemas.openxmlformats.org/officeDocument/2006/relationships" xmlns:mc="http://schemas.openxmlformats.org/markup-compatibility/2006" xmlns:mv="urn:schemas-microsoft-com:mac:vml" xmlns:p="http://schemas.openxmlformats.org/presentationml/2006/main" xmlns:c="http://schemas.openxmlformats.org/drawingml/2006/chart" xmlns:dgm="http://schemas.openxmlformats.org/drawingml/2006/diagram" xmlns:o="urn:schemas-microsoft-com:office:office" xmlns:v="urn:schemas-microsoft-com:vml" xmlns:pvml="urn:schemas-microsoft-com:office:powerpoint" xmlns:com="http://schemas.openxmlformats.org/drawingml/2006/compatibility" xmlns:p14="http://schemas.microsoft.com/office/powerpoint/2010/main" xmlns:p15="http://schemas.microsoft.com/office/powerpoint/2012/main" showMasterPhAnim="0" showMasterSp="0">
   <p:cSld>
     <p:spTree>
       <p:nvGrpSpPr>
-        <p:cNvPr id="194" name="Shape 194"/>
+        <p:cNvPr id="188" name="Shape 188"/>
         <p:cNvGrpSpPr/>
         <p:nvPr/>
       </p:nvGrpSpPr>
@@ -913,7 +819,7 @@
       </p:grpSpPr>
       <p:sp>
         <p:nvSpPr>
-          <p:cNvPr id="195" name="Shape 195"/>
+          <p:cNvPr id="189" name="Shape 189"/>
           <p:cNvSpPr/>
           <p:nvPr>
             <p:ph idx="2" type="sldImg"/>
@@ -947,7 +853,7 @@
       </p:sp>
       <p:sp>
         <p:nvSpPr>
-          <p:cNvPr id="196" name="Shape 196"/>
+          <p:cNvPr id="190" name="Shape 190"/>
           <p:cNvSpPr txBox="1"/>
           <p:nvPr>
             <p:ph idx="1" type="body"/>
@@ -989,12 +895,12 @@
 </p:notes>
 </file>
 
-<file path=ppt/notesSlides/notesSlide7.xml><?xml version="1.0" encoding="utf-8"?>
+<file path=ppt/notesSlides/notesSlide6.xml><?xml version="1.0" encoding="utf-8"?>
 <p:notes xmlns:a="http://schemas.openxmlformats.org/drawingml/2006/main" xmlns:r="http://schemas.openxmlformats.org/officeDocument/2006/relationships" xmlns:mc="http://schemas.openxmlformats.org/markup-compatibility/2006" xmlns:mv="urn:schemas-microsoft-com:mac:vml" xmlns:p="http://schemas.openxmlformats.org/presentationml/2006/main" xmlns:c="http://schemas.openxmlformats.org/drawingml/2006/chart" xmlns:dgm="http://schemas.openxmlformats.org/drawingml/2006/diagram" xmlns:o="urn:schemas-microsoft-com:office:office" xmlns:v="urn:schemas-microsoft-com:vml" xmlns:pvml="urn:schemas-microsoft-com:office:powerpoint" xmlns:com="http://schemas.openxmlformats.org/drawingml/2006/compatibility" xmlns:p14="http://schemas.microsoft.com/office/powerpoint/2010/main" xmlns:p15="http://schemas.microsoft.com/office/powerpoint/2012/main" showMasterPhAnim="0" showMasterSp="0">
   <p:cSld>
     <p:spTree>
       <p:nvGrpSpPr>
-        <p:cNvPr id="201" name="Shape 201"/>
+        <p:cNvPr id="200" name="Shape 200"/>
         <p:cNvGrpSpPr/>
         <p:nvPr/>
       </p:nvGrpSpPr>
@@ -1008,7 +914,7 @@
       </p:grpSpPr>
       <p:sp>
         <p:nvSpPr>
-          <p:cNvPr id="202" name="Shape 202"/>
+          <p:cNvPr id="201" name="Shape 201"/>
           <p:cNvSpPr/>
           <p:nvPr>
             <p:ph idx="2" type="sldImg"/>
@@ -1042,7 +948,197 @@
       </p:sp>
       <p:sp>
         <p:nvSpPr>
-          <p:cNvPr id="203" name="Shape 203"/>
+          <p:cNvPr id="202" name="Shape 202"/>
+          <p:cNvSpPr txBox="1"/>
+          <p:nvPr>
+            <p:ph idx="1" type="body"/>
+          </p:nvPr>
+        </p:nvSpPr>
+        <p:spPr>
+          <a:xfrm>
+            <a:off x="685800" y="4343400"/>
+            <a:ext cx="5486400" cy="4114800"/>
+          </a:xfrm>
+          <a:prstGeom prst="rect">
+            <a:avLst/>
+          </a:prstGeom>
+        </p:spPr>
+        <p:txBody>
+          <a:bodyPr anchorCtr="0" anchor="t" bIns="91425" lIns="91425" rIns="91425" wrap="square" tIns="91425">
+            <a:noAutofit/>
+          </a:bodyPr>
+          <a:lstStyle/>
+          <a:p>
+            <a:pPr lvl="0">
+              <a:spcBef>
+                <a:spcPts val="0"/>
+              </a:spcBef>
+              <a:buNone/>
+            </a:pPr>
+            <a:r>
+              <a:t/>
+            </a:r>
+            <a:endParaRPr/>
+          </a:p>
+        </p:txBody>
+      </p:sp>
+    </p:spTree>
+  </p:cSld>
+  <p:clrMapOvr>
+    <a:masterClrMapping/>
+  </p:clrMapOvr>
+</p:notes>
+</file>
+
+<file path=ppt/notesSlides/notesSlide7.xml><?xml version="1.0" encoding="utf-8"?>
+<p:notes xmlns:a="http://schemas.openxmlformats.org/drawingml/2006/main" xmlns:r="http://schemas.openxmlformats.org/officeDocument/2006/relationships" xmlns:mc="http://schemas.openxmlformats.org/markup-compatibility/2006" xmlns:mv="urn:schemas-microsoft-com:mac:vml" xmlns:p="http://schemas.openxmlformats.org/presentationml/2006/main" xmlns:c="http://schemas.openxmlformats.org/drawingml/2006/chart" xmlns:dgm="http://schemas.openxmlformats.org/drawingml/2006/diagram" xmlns:o="urn:schemas-microsoft-com:office:office" xmlns:v="urn:schemas-microsoft-com:vml" xmlns:pvml="urn:schemas-microsoft-com:office:powerpoint" xmlns:com="http://schemas.openxmlformats.org/drawingml/2006/compatibility" xmlns:p14="http://schemas.microsoft.com/office/powerpoint/2010/main" xmlns:p15="http://schemas.microsoft.com/office/powerpoint/2012/main" showMasterPhAnim="0" showMasterSp="0">
+  <p:cSld>
+    <p:spTree>
+      <p:nvGrpSpPr>
+        <p:cNvPr id="207" name="Shape 207"/>
+        <p:cNvGrpSpPr/>
+        <p:nvPr/>
+      </p:nvGrpSpPr>
+      <p:grpSpPr>
+        <a:xfrm>
+          <a:off x="0" y="0"/>
+          <a:ext cx="0" cy="0"/>
+          <a:chOff x="0" y="0"/>
+          <a:chExt cx="0" cy="0"/>
+        </a:xfrm>
+      </p:grpSpPr>
+      <p:sp>
+        <p:nvSpPr>
+          <p:cNvPr id="208" name="Shape 208"/>
+          <p:cNvSpPr/>
+          <p:nvPr>
+            <p:ph idx="2" type="sldImg"/>
+          </p:nvPr>
+        </p:nvSpPr>
+        <p:spPr>
+          <a:xfrm>
+            <a:off x="686100" y="685800"/>
+            <a:ext cx="5486400" cy="3429000"/>
+          </a:xfrm>
+          <a:custGeom>
+            <a:pathLst>
+              <a:path extrusionOk="0" h="120000" w="120000">
+                <a:moveTo>
+                  <a:pt x="0" y="0"/>
+                </a:moveTo>
+                <a:lnTo>
+                  <a:pt x="120000" y="0"/>
+                </a:lnTo>
+                <a:lnTo>
+                  <a:pt x="120000" y="120000"/>
+                </a:lnTo>
+                <a:lnTo>
+                  <a:pt x="0" y="120000"/>
+                </a:lnTo>
+                <a:close/>
+              </a:path>
+            </a:pathLst>
+          </a:custGeom>
+        </p:spPr>
+      </p:sp>
+      <p:sp>
+        <p:nvSpPr>
+          <p:cNvPr id="209" name="Shape 209"/>
+          <p:cNvSpPr txBox="1"/>
+          <p:nvPr>
+            <p:ph idx="1" type="body"/>
+          </p:nvPr>
+        </p:nvSpPr>
+        <p:spPr>
+          <a:xfrm>
+            <a:off x="685800" y="4343400"/>
+            <a:ext cx="5486400" cy="4114800"/>
+          </a:xfrm>
+          <a:prstGeom prst="rect">
+            <a:avLst/>
+          </a:prstGeom>
+        </p:spPr>
+        <p:txBody>
+          <a:bodyPr anchorCtr="0" anchor="t" bIns="91425" lIns="91425" rIns="91425" wrap="square" tIns="91425">
+            <a:noAutofit/>
+          </a:bodyPr>
+          <a:lstStyle/>
+          <a:p>
+            <a:pPr lvl="0">
+              <a:spcBef>
+                <a:spcPts val="0"/>
+              </a:spcBef>
+              <a:buNone/>
+            </a:pPr>
+            <a:r>
+              <a:t/>
+            </a:r>
+            <a:endParaRPr/>
+          </a:p>
+        </p:txBody>
+      </p:sp>
+    </p:spTree>
+  </p:cSld>
+  <p:clrMapOvr>
+    <a:masterClrMapping/>
+  </p:clrMapOvr>
+</p:notes>
+</file>
+
+<file path=ppt/notesSlides/notesSlide8.xml><?xml version="1.0" encoding="utf-8"?>
+<p:notes xmlns:a="http://schemas.openxmlformats.org/drawingml/2006/main" xmlns:r="http://schemas.openxmlformats.org/officeDocument/2006/relationships" xmlns:mc="http://schemas.openxmlformats.org/markup-compatibility/2006" xmlns:mv="urn:schemas-microsoft-com:mac:vml" xmlns:p="http://schemas.openxmlformats.org/presentationml/2006/main" xmlns:c="http://schemas.openxmlformats.org/drawingml/2006/chart" xmlns:dgm="http://schemas.openxmlformats.org/drawingml/2006/diagram" xmlns:o="urn:schemas-microsoft-com:office:office" xmlns:v="urn:schemas-microsoft-com:vml" xmlns:pvml="urn:schemas-microsoft-com:office:powerpoint" xmlns:com="http://schemas.openxmlformats.org/drawingml/2006/compatibility" xmlns:p14="http://schemas.microsoft.com/office/powerpoint/2010/main" xmlns:p15="http://schemas.microsoft.com/office/powerpoint/2012/main" showMasterPhAnim="0" showMasterSp="0">
+  <p:cSld>
+    <p:spTree>
+      <p:nvGrpSpPr>
+        <p:cNvPr id="213" name="Shape 213"/>
+        <p:cNvGrpSpPr/>
+        <p:nvPr/>
+      </p:nvGrpSpPr>
+      <p:grpSpPr>
+        <a:xfrm>
+          <a:off x="0" y="0"/>
+          <a:ext cx="0" cy="0"/>
+          <a:chOff x="0" y="0"/>
+          <a:chExt cx="0" cy="0"/>
+        </a:xfrm>
+      </p:grpSpPr>
+      <p:sp>
+        <p:nvSpPr>
+          <p:cNvPr id="214" name="Shape 214"/>
+          <p:cNvSpPr/>
+          <p:nvPr>
+            <p:ph idx="2" type="sldImg"/>
+          </p:nvPr>
+        </p:nvSpPr>
+        <p:spPr>
+          <a:xfrm>
+            <a:off x="686104" y="685800"/>
+            <a:ext cx="5486400" cy="3429000"/>
+          </a:xfrm>
+          <a:custGeom>
+            <a:pathLst>
+              <a:path extrusionOk="0" h="120000" w="120000">
+                <a:moveTo>
+                  <a:pt x="0" y="0"/>
+                </a:moveTo>
+                <a:lnTo>
+                  <a:pt x="120000" y="0"/>
+                </a:lnTo>
+                <a:lnTo>
+                  <a:pt x="120000" y="120000"/>
+                </a:lnTo>
+                <a:lnTo>
+                  <a:pt x="0" y="120000"/>
+                </a:lnTo>
+                <a:close/>
+              </a:path>
+            </a:pathLst>
+          </a:custGeom>
+        </p:spPr>
+      </p:sp>
+      <p:sp>
+        <p:nvSpPr>
+          <p:cNvPr id="215" name="Shape 215"/>
           <p:cNvSpPr txBox="1"/>
           <p:nvPr>
             <p:ph idx="1" type="body"/>
@@ -5014,6 +5110,595 @@
 </p:sldLayout>
 </file>
 
+<file path=ppt/slideLayouts/slideLayout15.xml><?xml version="1.0" encoding="utf-8"?>
+<p:sldLayout xmlns:a="http://schemas.openxmlformats.org/drawingml/2006/main" xmlns:r="http://schemas.openxmlformats.org/officeDocument/2006/relationships" xmlns:mc="http://schemas.openxmlformats.org/markup-compatibility/2006" xmlns:mv="urn:schemas-microsoft-com:mac:vml" xmlns:p="http://schemas.openxmlformats.org/presentationml/2006/main" xmlns:c="http://schemas.openxmlformats.org/drawingml/2006/chart" xmlns:dgm="http://schemas.openxmlformats.org/drawingml/2006/diagram" xmlns:o="urn:schemas-microsoft-com:office:office" xmlns:v="urn:schemas-microsoft-com:vml" xmlns:pvml="urn:schemas-microsoft-com:office:powerpoint" xmlns:com="http://schemas.openxmlformats.org/drawingml/2006/compatibility" xmlns:p14="http://schemas.microsoft.com/office/powerpoint/2010/main" xmlns:p15="http://schemas.microsoft.com/office/powerpoint/2012/main">
+  <p:cSld name="Custom layout 4">
+    <p:bg>
+      <p:bgPr>
+        <a:solidFill>
+          <a:srgbClr val="FFFFFF"/>
+        </a:solidFill>
+      </p:bgPr>
+    </p:bg>
+    <p:spTree>
+      <p:nvGrpSpPr>
+        <p:cNvPr id="144" name="Shape 144"/>
+        <p:cNvGrpSpPr/>
+        <p:nvPr/>
+      </p:nvGrpSpPr>
+      <p:grpSpPr>
+        <a:xfrm>
+          <a:off x="0" y="0"/>
+          <a:ext cx="0" cy="0"/>
+          <a:chOff x="0" y="0"/>
+          <a:chExt cx="0" cy="0"/>
+        </a:xfrm>
+      </p:grpSpPr>
+      <p:sp>
+        <p:nvSpPr>
+          <p:cNvPr id="145" name="Shape 145"/>
+          <p:cNvSpPr/>
+          <p:nvPr/>
+        </p:nvSpPr>
+        <p:spPr>
+          <a:xfrm>
+            <a:off x="0" y="0"/>
+            <a:ext cx="9144000" cy="5715000"/>
+          </a:xfrm>
+          <a:prstGeom prst="rect">
+            <a:avLst/>
+          </a:prstGeom>
+          <a:solidFill>
+            <a:srgbClr val="007EA7"/>
+          </a:solidFill>
+          <a:ln>
+            <a:noFill/>
+          </a:ln>
+        </p:spPr>
+        <p:txBody>
+          <a:bodyPr anchorCtr="0" anchor="ctr" bIns="91425" lIns="91425" rIns="91425" wrap="square" tIns="91425">
+            <a:noAutofit/>
+          </a:bodyPr>
+          <a:lstStyle/>
+          <a:p>
+            <a:pPr lvl="0">
+              <a:spcBef>
+                <a:spcPts val="0"/>
+              </a:spcBef>
+              <a:buNone/>
+            </a:pPr>
+            <a:r>
+              <a:t/>
+            </a:r>
+            <a:endParaRPr/>
+          </a:p>
+        </p:txBody>
+      </p:sp>
+      <p:sp>
+        <p:nvSpPr>
+          <p:cNvPr id="146" name="Shape 146"/>
+          <p:cNvSpPr/>
+          <p:nvPr/>
+        </p:nvSpPr>
+        <p:spPr>
+          <a:xfrm>
+            <a:off x="0" y="1175222"/>
+            <a:ext cx="9144000" cy="795900"/>
+          </a:xfrm>
+          <a:prstGeom prst="rect">
+            <a:avLst/>
+          </a:prstGeom>
+          <a:solidFill>
+            <a:srgbClr val="FFFFFF">
+              <a:alpha val="25099"/>
+            </a:srgbClr>
+          </a:solidFill>
+          <a:ln>
+            <a:noFill/>
+          </a:ln>
+        </p:spPr>
+        <p:txBody>
+          <a:bodyPr anchorCtr="0" anchor="ctr" bIns="91425" lIns="91425" rIns="91425" wrap="square" tIns="91425">
+            <a:noAutofit/>
+          </a:bodyPr>
+          <a:lstStyle/>
+          <a:p>
+            <a:pPr lvl="0">
+              <a:spcBef>
+                <a:spcPts val="0"/>
+              </a:spcBef>
+              <a:buNone/>
+            </a:pPr>
+            <a:r>
+              <a:t/>
+            </a:r>
+            <a:endParaRPr/>
+          </a:p>
+        </p:txBody>
+      </p:sp>
+      <p:sp>
+        <p:nvSpPr>
+          <p:cNvPr id="147" name="Shape 147"/>
+          <p:cNvSpPr txBox="1"/>
+          <p:nvPr>
+            <p:ph type="ctrTitle"/>
+          </p:nvPr>
+        </p:nvSpPr>
+        <p:spPr>
+          <a:xfrm>
+            <a:off x="345650" y="1175222"/>
+            <a:ext cx="7172100" cy="795900"/>
+          </a:xfrm>
+          <a:prstGeom prst="rect">
+            <a:avLst/>
+          </a:prstGeom>
+          <a:noFill/>
+        </p:spPr>
+        <p:txBody>
+          <a:bodyPr anchorCtr="0" anchor="ctr" bIns="91425" lIns="91425" rIns="91425" wrap="square" tIns="91425"/>
+          <a:lstStyle>
+            <a:lvl1pPr lvl="0" algn="l">
+              <a:lnSpc>
+                <a:spcPct val="100000"/>
+              </a:lnSpc>
+              <a:spcBef>
+                <a:spcPts val="0"/>
+              </a:spcBef>
+              <a:spcAft>
+                <a:spcPts val="0"/>
+              </a:spcAft>
+              <a:buClr>
+                <a:srgbClr val="FFFFFF"/>
+              </a:buClr>
+              <a:buSzPct val="100000"/>
+              <a:buNone/>
+              <a:defRPr b="1" sz="2400">
+                <a:solidFill>
+                  <a:srgbClr val="FFFFFF"/>
+                </a:solidFill>
+              </a:defRPr>
+            </a:lvl1pPr>
+            <a:lvl2pPr lvl="1" algn="l">
+              <a:lnSpc>
+                <a:spcPct val="100000"/>
+              </a:lnSpc>
+              <a:spcBef>
+                <a:spcPts val="0"/>
+              </a:spcBef>
+              <a:spcAft>
+                <a:spcPts val="0"/>
+              </a:spcAft>
+              <a:buClr>
+                <a:srgbClr val="FFFFFF"/>
+              </a:buClr>
+              <a:buSzPct val="100000"/>
+              <a:buNone/>
+              <a:defRPr b="1" sz="2400">
+                <a:solidFill>
+                  <a:srgbClr val="FFFFFF"/>
+                </a:solidFill>
+              </a:defRPr>
+            </a:lvl2pPr>
+            <a:lvl3pPr lvl="2" algn="l">
+              <a:lnSpc>
+                <a:spcPct val="100000"/>
+              </a:lnSpc>
+              <a:spcBef>
+                <a:spcPts val="0"/>
+              </a:spcBef>
+              <a:spcAft>
+                <a:spcPts val="0"/>
+              </a:spcAft>
+              <a:buClr>
+                <a:srgbClr val="FFFFFF"/>
+              </a:buClr>
+              <a:buSzPct val="100000"/>
+              <a:buNone/>
+              <a:defRPr b="1" sz="2400">
+                <a:solidFill>
+                  <a:srgbClr val="FFFFFF"/>
+                </a:solidFill>
+              </a:defRPr>
+            </a:lvl3pPr>
+            <a:lvl4pPr lvl="3" algn="l">
+              <a:lnSpc>
+                <a:spcPct val="100000"/>
+              </a:lnSpc>
+              <a:spcBef>
+                <a:spcPts val="0"/>
+              </a:spcBef>
+              <a:spcAft>
+                <a:spcPts val="0"/>
+              </a:spcAft>
+              <a:buClr>
+                <a:srgbClr val="FFFFFF"/>
+              </a:buClr>
+              <a:buSzPct val="100000"/>
+              <a:buNone/>
+              <a:defRPr b="1" sz="2400">
+                <a:solidFill>
+                  <a:srgbClr val="FFFFFF"/>
+                </a:solidFill>
+              </a:defRPr>
+            </a:lvl4pPr>
+            <a:lvl5pPr lvl="4" algn="l">
+              <a:lnSpc>
+                <a:spcPct val="100000"/>
+              </a:lnSpc>
+              <a:spcBef>
+                <a:spcPts val="0"/>
+              </a:spcBef>
+              <a:spcAft>
+                <a:spcPts val="0"/>
+              </a:spcAft>
+              <a:buClr>
+                <a:srgbClr val="FFFFFF"/>
+              </a:buClr>
+              <a:buSzPct val="100000"/>
+              <a:buNone/>
+              <a:defRPr b="1" sz="2400">
+                <a:solidFill>
+                  <a:srgbClr val="FFFFFF"/>
+                </a:solidFill>
+              </a:defRPr>
+            </a:lvl5pPr>
+            <a:lvl6pPr lvl="5" algn="l">
+              <a:lnSpc>
+                <a:spcPct val="100000"/>
+              </a:lnSpc>
+              <a:spcBef>
+                <a:spcPts val="0"/>
+              </a:spcBef>
+              <a:spcAft>
+                <a:spcPts val="0"/>
+              </a:spcAft>
+              <a:buClr>
+                <a:srgbClr val="FFFFFF"/>
+              </a:buClr>
+              <a:buSzPct val="100000"/>
+              <a:buNone/>
+              <a:defRPr b="1" sz="2400">
+                <a:solidFill>
+                  <a:srgbClr val="FFFFFF"/>
+                </a:solidFill>
+              </a:defRPr>
+            </a:lvl6pPr>
+            <a:lvl7pPr lvl="6" algn="l">
+              <a:lnSpc>
+                <a:spcPct val="100000"/>
+              </a:lnSpc>
+              <a:spcBef>
+                <a:spcPts val="0"/>
+              </a:spcBef>
+              <a:spcAft>
+                <a:spcPts val="0"/>
+              </a:spcAft>
+              <a:buClr>
+                <a:srgbClr val="FFFFFF"/>
+              </a:buClr>
+              <a:buSzPct val="100000"/>
+              <a:buNone/>
+              <a:defRPr b="1" sz="2400">
+                <a:solidFill>
+                  <a:srgbClr val="FFFFFF"/>
+                </a:solidFill>
+              </a:defRPr>
+            </a:lvl7pPr>
+            <a:lvl8pPr lvl="7" algn="l">
+              <a:lnSpc>
+                <a:spcPct val="100000"/>
+              </a:lnSpc>
+              <a:spcBef>
+                <a:spcPts val="0"/>
+              </a:spcBef>
+              <a:spcAft>
+                <a:spcPts val="0"/>
+              </a:spcAft>
+              <a:buClr>
+                <a:srgbClr val="FFFFFF"/>
+              </a:buClr>
+              <a:buSzPct val="100000"/>
+              <a:buNone/>
+              <a:defRPr b="1" sz="2400">
+                <a:solidFill>
+                  <a:srgbClr val="FFFFFF"/>
+                </a:solidFill>
+              </a:defRPr>
+            </a:lvl8pPr>
+            <a:lvl9pPr lvl="8" algn="l">
+              <a:lnSpc>
+                <a:spcPct val="100000"/>
+              </a:lnSpc>
+              <a:spcBef>
+                <a:spcPts val="0"/>
+              </a:spcBef>
+              <a:spcAft>
+                <a:spcPts val="0"/>
+              </a:spcAft>
+              <a:buClr>
+                <a:srgbClr val="FFFFFF"/>
+              </a:buClr>
+              <a:buSzPct val="100000"/>
+              <a:buNone/>
+              <a:defRPr b="1" sz="2400">
+                <a:solidFill>
+                  <a:srgbClr val="FFFFFF"/>
+                </a:solidFill>
+              </a:defRPr>
+            </a:lvl9pPr>
+          </a:lstStyle>
+          <a:p/>
+        </p:txBody>
+      </p:sp>
+      <p:sp>
+        <p:nvSpPr>
+          <p:cNvPr id="148" name="Shape 148"/>
+          <p:cNvSpPr txBox="1"/>
+          <p:nvPr>
+            <p:ph idx="1" type="subTitle"/>
+          </p:nvPr>
+        </p:nvSpPr>
+        <p:spPr>
+          <a:xfrm>
+            <a:off x="345650" y="2138917"/>
+            <a:ext cx="7172100" cy="2211000"/>
+          </a:xfrm>
+          <a:prstGeom prst="rect">
+            <a:avLst/>
+          </a:prstGeom>
+          <a:noFill/>
+        </p:spPr>
+        <p:txBody>
+          <a:bodyPr anchorCtr="0" anchor="t" bIns="91425" lIns="91425" rIns="91425" wrap="square" tIns="91425"/>
+          <a:lstStyle>
+            <a:lvl1pPr lvl="0" algn="l">
+              <a:lnSpc>
+                <a:spcPct val="100000"/>
+              </a:lnSpc>
+              <a:spcBef>
+                <a:spcPts val="0"/>
+              </a:spcBef>
+              <a:spcAft>
+                <a:spcPts val="0"/>
+              </a:spcAft>
+              <a:buClr>
+                <a:srgbClr val="FFFFFF"/>
+              </a:buClr>
+              <a:buSzPct val="100000"/>
+              <a:buNone/>
+              <a:defRPr sz="1600">
+                <a:solidFill>
+                  <a:srgbClr val="FFFFFF"/>
+                </a:solidFill>
+              </a:defRPr>
+            </a:lvl1pPr>
+            <a:lvl2pPr lvl="1" algn="l">
+              <a:lnSpc>
+                <a:spcPct val="100000"/>
+              </a:lnSpc>
+              <a:spcBef>
+                <a:spcPts val="0"/>
+              </a:spcBef>
+              <a:spcAft>
+                <a:spcPts val="0"/>
+              </a:spcAft>
+              <a:buClr>
+                <a:srgbClr val="FFFFFF"/>
+              </a:buClr>
+              <a:buSzPct val="100000"/>
+              <a:buNone/>
+              <a:defRPr sz="1600">
+                <a:solidFill>
+                  <a:srgbClr val="FFFFFF"/>
+                </a:solidFill>
+              </a:defRPr>
+            </a:lvl2pPr>
+            <a:lvl3pPr lvl="2" algn="l">
+              <a:lnSpc>
+                <a:spcPct val="100000"/>
+              </a:lnSpc>
+              <a:spcBef>
+                <a:spcPts val="0"/>
+              </a:spcBef>
+              <a:spcAft>
+                <a:spcPts val="0"/>
+              </a:spcAft>
+              <a:buClr>
+                <a:srgbClr val="FFFFFF"/>
+              </a:buClr>
+              <a:buSzPct val="100000"/>
+              <a:buNone/>
+              <a:defRPr sz="1600">
+                <a:solidFill>
+                  <a:srgbClr val="FFFFFF"/>
+                </a:solidFill>
+              </a:defRPr>
+            </a:lvl3pPr>
+            <a:lvl4pPr lvl="3" algn="l">
+              <a:lnSpc>
+                <a:spcPct val="100000"/>
+              </a:lnSpc>
+              <a:spcBef>
+                <a:spcPts val="0"/>
+              </a:spcBef>
+              <a:spcAft>
+                <a:spcPts val="0"/>
+              </a:spcAft>
+              <a:buClr>
+                <a:srgbClr val="FFFFFF"/>
+              </a:buClr>
+              <a:buSzPct val="100000"/>
+              <a:buNone/>
+              <a:defRPr sz="1600">
+                <a:solidFill>
+                  <a:srgbClr val="FFFFFF"/>
+                </a:solidFill>
+              </a:defRPr>
+            </a:lvl4pPr>
+            <a:lvl5pPr lvl="4" algn="l">
+              <a:lnSpc>
+                <a:spcPct val="100000"/>
+              </a:lnSpc>
+              <a:spcBef>
+                <a:spcPts val="0"/>
+              </a:spcBef>
+              <a:spcAft>
+                <a:spcPts val="0"/>
+              </a:spcAft>
+              <a:buClr>
+                <a:srgbClr val="FFFFFF"/>
+              </a:buClr>
+              <a:buSzPct val="100000"/>
+              <a:buNone/>
+              <a:defRPr sz="1600">
+                <a:solidFill>
+                  <a:srgbClr val="FFFFFF"/>
+                </a:solidFill>
+              </a:defRPr>
+            </a:lvl5pPr>
+            <a:lvl6pPr lvl="5" algn="l">
+              <a:lnSpc>
+                <a:spcPct val="100000"/>
+              </a:lnSpc>
+              <a:spcBef>
+                <a:spcPts val="0"/>
+              </a:spcBef>
+              <a:spcAft>
+                <a:spcPts val="0"/>
+              </a:spcAft>
+              <a:buClr>
+                <a:srgbClr val="FFFFFF"/>
+              </a:buClr>
+              <a:buSzPct val="100000"/>
+              <a:buNone/>
+              <a:defRPr sz="1600">
+                <a:solidFill>
+                  <a:srgbClr val="FFFFFF"/>
+                </a:solidFill>
+              </a:defRPr>
+            </a:lvl6pPr>
+            <a:lvl7pPr lvl="6" algn="l">
+              <a:lnSpc>
+                <a:spcPct val="100000"/>
+              </a:lnSpc>
+              <a:spcBef>
+                <a:spcPts val="0"/>
+              </a:spcBef>
+              <a:spcAft>
+                <a:spcPts val="0"/>
+              </a:spcAft>
+              <a:buClr>
+                <a:srgbClr val="FFFFFF"/>
+              </a:buClr>
+              <a:buSzPct val="100000"/>
+              <a:buNone/>
+              <a:defRPr sz="1600">
+                <a:solidFill>
+                  <a:srgbClr val="FFFFFF"/>
+                </a:solidFill>
+              </a:defRPr>
+            </a:lvl7pPr>
+            <a:lvl8pPr lvl="7" algn="l">
+              <a:lnSpc>
+                <a:spcPct val="100000"/>
+              </a:lnSpc>
+              <a:spcBef>
+                <a:spcPts val="0"/>
+              </a:spcBef>
+              <a:spcAft>
+                <a:spcPts val="0"/>
+              </a:spcAft>
+              <a:buClr>
+                <a:srgbClr val="FFFFFF"/>
+              </a:buClr>
+              <a:buSzPct val="100000"/>
+              <a:buNone/>
+              <a:defRPr sz="1600">
+                <a:solidFill>
+                  <a:srgbClr val="FFFFFF"/>
+                </a:solidFill>
+              </a:defRPr>
+            </a:lvl8pPr>
+            <a:lvl9pPr lvl="8" algn="l">
+              <a:lnSpc>
+                <a:spcPct val="100000"/>
+              </a:lnSpc>
+              <a:spcBef>
+                <a:spcPts val="0"/>
+              </a:spcBef>
+              <a:spcAft>
+                <a:spcPts val="0"/>
+              </a:spcAft>
+              <a:buClr>
+                <a:srgbClr val="FFFFFF"/>
+              </a:buClr>
+              <a:buSzPct val="100000"/>
+              <a:buNone/>
+              <a:defRPr sz="1600">
+                <a:solidFill>
+                  <a:srgbClr val="FFFFFF"/>
+                </a:solidFill>
+              </a:defRPr>
+            </a:lvl9pPr>
+          </a:lstStyle>
+          <a:p/>
+        </p:txBody>
+      </p:sp>
+      <p:sp>
+        <p:nvSpPr>
+          <p:cNvPr id="149" name="Shape 149"/>
+          <p:cNvSpPr txBox="1"/>
+          <p:nvPr>
+            <p:ph idx="12" type="sldNum"/>
+          </p:nvPr>
+        </p:nvSpPr>
+        <p:spPr>
+          <a:xfrm>
+            <a:off x="8472458" y="5181352"/>
+            <a:ext cx="548700" cy="437400"/>
+          </a:xfrm>
+          <a:prstGeom prst="rect">
+            <a:avLst/>
+          </a:prstGeom>
+          <a:noFill/>
+        </p:spPr>
+        <p:txBody>
+          <a:bodyPr anchorCtr="0" anchor="ctr" bIns="91425" lIns="91425" rIns="91425" wrap="square" tIns="91425">
+            <a:noAutofit/>
+          </a:bodyPr>
+          <a:lstStyle/>
+          <a:p>
+            <a:pPr lvl="0" algn="r">
+              <a:lnSpc>
+                <a:spcPct val="100000"/>
+              </a:lnSpc>
+              <a:spcBef>
+                <a:spcPts val="0"/>
+              </a:spcBef>
+              <a:spcAft>
+                <a:spcPts val="0"/>
+              </a:spcAft>
+              <a:buNone/>
+            </a:pPr>
+            <a:fld id="{00000000-1234-1234-1234-123412341234}" type="slidenum">
+              <a:rPr lang="en" sz="1000">
+                <a:solidFill>
+                  <a:srgbClr val="FFFFFF"/>
+                </a:solidFill>
+              </a:rPr>
+              <a:t>‹#›</a:t>
+            </a:fld>
+          </a:p>
+        </p:txBody>
+      </p:sp>
+    </p:spTree>
+  </p:cSld>
+  <p:clrMapOvr>
+    <a:masterClrMapping/>
+  </p:clrMapOvr>
+</p:sldLayout>
+</file>
+
 <file path=ppt/slideLayouts/slideLayout2.xml><?xml version="1.0" encoding="utf-8"?>
 <p:sldLayout xmlns:a="http://schemas.openxmlformats.org/drawingml/2006/main" xmlns:r="http://schemas.openxmlformats.org/officeDocument/2006/relationships" xmlns:mc="http://schemas.openxmlformats.org/markup-compatibility/2006" xmlns:mv="urn:schemas-microsoft-com:mac:vml" xmlns:p="http://schemas.openxmlformats.org/presentationml/2006/main" xmlns:c="http://schemas.openxmlformats.org/drawingml/2006/chart" xmlns:dgm="http://schemas.openxmlformats.org/drawingml/2006/diagram" xmlns:o="urn:schemas-microsoft-com:office:office" xmlns:v="urn:schemas-microsoft-com:vml" xmlns:pvml="urn:schemas-microsoft-com:office:powerpoint" xmlns:com="http://schemas.openxmlformats.org/drawingml/2006/compatibility" xmlns:p14="http://schemas.microsoft.com/office/powerpoint/2010/main" xmlns:p15="http://schemas.microsoft.com/office/powerpoint/2012/main" type="secHead">
   <p:cSld name="Section header">
@@ -9064,6 +9749,7 @@
     <p:sldLayoutId id="2147483659" r:id="rId12"/>
     <p:sldLayoutId id="2147483660" r:id="rId13"/>
     <p:sldLayoutId id="2147483661" r:id="rId14"/>
+    <p:sldLayoutId id="2147483662" r:id="rId15"/>
   </p:sldLayoutIdLst>
   <p:transition spd="slow">
     <p:push dir="r"/>
@@ -9517,7 +10203,7 @@
   <p:cSld>
     <p:spTree>
       <p:nvGrpSpPr>
-        <p:cNvPr id="147" name="Shape 147"/>
+        <p:cNvPr id="153" name="Shape 153"/>
         <p:cNvGrpSpPr/>
         <p:nvPr/>
       </p:nvGrpSpPr>
@@ -9531,7 +10217,7 @@
       </p:grpSpPr>
       <p:sp>
         <p:nvSpPr>
-          <p:cNvPr id="148" name="Shape 148"/>
+          <p:cNvPr id="154" name="Shape 154"/>
           <p:cNvSpPr txBox="1"/>
           <p:nvPr>
             <p:ph type="ctrTitle"/>
@@ -9572,7 +10258,7 @@
       </p:sp>
       <p:sp>
         <p:nvSpPr>
-          <p:cNvPr id="149" name="Shape 149"/>
+          <p:cNvPr id="155" name="Shape 155"/>
           <p:cNvSpPr txBox="1"/>
           <p:nvPr>
             <p:ph idx="1" type="subTitle"/>
@@ -9642,7 +10328,7 @@
     </p:bg>
     <p:spTree>
       <p:nvGrpSpPr>
-        <p:cNvPr id="153" name="Shape 153"/>
+        <p:cNvPr id="159" name="Shape 159"/>
         <p:cNvGrpSpPr/>
         <p:nvPr/>
       </p:nvGrpSpPr>
@@ -9656,7 +10342,7 @@
       </p:grpSpPr>
       <p:sp>
         <p:nvSpPr>
-          <p:cNvPr id="154" name="Shape 154"/>
+          <p:cNvPr id="160" name="Shape 160"/>
           <p:cNvSpPr txBox="1"/>
           <p:nvPr>
             <p:ph type="title"/>
@@ -9697,7 +10383,7 @@
       </p:sp>
       <p:sp>
         <p:nvSpPr>
-          <p:cNvPr id="155" name="Shape 155"/>
+          <p:cNvPr id="161" name="Shape 161"/>
           <p:cNvSpPr txBox="1"/>
           <p:nvPr>
             <p:ph idx="1" type="body"/>
@@ -9995,7 +10681,7 @@
       </p:sp>
       <p:sp>
         <p:nvSpPr>
-          <p:cNvPr id="156" name="Shape 156"/>
+          <p:cNvPr id="162" name="Shape 162"/>
           <p:cNvSpPr txBox="1"/>
           <p:nvPr>
             <p:ph idx="4294967295" type="subTitle"/>
@@ -10073,7 +10759,7 @@
                                           </p:stCondLst>
                                         </p:cTn>
                                         <p:tgtEl>
-                                          <p:spTgt spid="155">
+                                          <p:spTgt spid="161">
                                             <p:txEl>
                                               <p:pRg end="0" st="0"/>
                                             </p:txEl>
@@ -10091,7 +10777,7 @@
                                       <p:cBhvr>
                                         <p:cTn dur="1000"/>
                                         <p:tgtEl>
-                                          <p:spTgt spid="155">
+                                          <p:spTgt spid="161">
                                             <p:txEl>
                                               <p:pRg end="0" st="0"/>
                                             </p:txEl>
@@ -10134,7 +10820,7 @@
                                           </p:stCondLst>
                                         </p:cTn>
                                         <p:tgtEl>
-                                          <p:spTgt spid="155">
+                                          <p:spTgt spid="161">
                                             <p:txEl>
                                               <p:pRg end="1" st="1"/>
                                             </p:txEl>
@@ -10152,7 +10838,7 @@
                                       <p:cBhvr>
                                         <p:cTn dur="1000"/>
                                         <p:tgtEl>
-                                          <p:spTgt spid="155">
+                                          <p:spTgt spid="161">
                                             <p:txEl>
                                               <p:pRg end="1" st="1"/>
                                             </p:txEl>
@@ -10195,7 +10881,7 @@
                                           </p:stCondLst>
                                         </p:cTn>
                                         <p:tgtEl>
-                                          <p:spTgt spid="155">
+                                          <p:spTgt spid="161">
                                             <p:txEl>
                                               <p:pRg end="2" st="2"/>
                                             </p:txEl>
@@ -10213,7 +10899,7 @@
                                       <p:cBhvr>
                                         <p:cTn dur="1000"/>
                                         <p:tgtEl>
-                                          <p:spTgt spid="155">
+                                          <p:spTgt spid="161">
                                             <p:txEl>
                                               <p:pRg end="2" st="2"/>
                                             </p:txEl>
@@ -10256,7 +10942,7 @@
                                           </p:stCondLst>
                                         </p:cTn>
                                         <p:tgtEl>
-                                          <p:spTgt spid="155">
+                                          <p:spTgt spid="161">
                                             <p:txEl>
                                               <p:pRg end="3" st="3"/>
                                             </p:txEl>
@@ -10274,7 +10960,7 @@
                                       <p:cBhvr>
                                         <p:cTn dur="1000"/>
                                         <p:tgtEl>
-                                          <p:spTgt spid="155">
+                                          <p:spTgt spid="161">
                                             <p:txEl>
                                               <p:pRg end="3" st="3"/>
                                             </p:txEl>
@@ -10317,7 +11003,7 @@
                                           </p:stCondLst>
                                         </p:cTn>
                                         <p:tgtEl>
-                                          <p:spTgt spid="155">
+                                          <p:spTgt spid="161">
                                             <p:txEl>
                                               <p:pRg end="4" st="4"/>
                                             </p:txEl>
@@ -10335,7 +11021,7 @@
                                       <p:cBhvr>
                                         <p:cTn dur="1000"/>
                                         <p:tgtEl>
-                                          <p:spTgt spid="155">
+                                          <p:spTgt spid="161">
                                             <p:txEl>
                                               <p:pRg end="4" st="4"/>
                                             </p:txEl>
@@ -10378,7 +11064,7 @@
                                           </p:stCondLst>
                                         </p:cTn>
                                         <p:tgtEl>
-                                          <p:spTgt spid="155">
+                                          <p:spTgt spid="161">
                                             <p:txEl>
                                               <p:pRg end="5" st="5"/>
                                             </p:txEl>
@@ -10396,7 +11082,7 @@
                                       <p:cBhvr>
                                         <p:cTn dur="1000"/>
                                         <p:tgtEl>
-                                          <p:spTgt spid="155">
+                                          <p:spTgt spid="161">
                                             <p:txEl>
                                               <p:pRg end="5" st="5"/>
                                             </p:txEl>
@@ -10439,7 +11125,7 @@
                                           </p:stCondLst>
                                         </p:cTn>
                                         <p:tgtEl>
-                                          <p:spTgt spid="155">
+                                          <p:spTgt spid="161">
                                             <p:txEl>
                                               <p:pRg end="6" st="6"/>
                                             </p:txEl>
@@ -10457,7 +11143,7 @@
                                       <p:cBhvr>
                                         <p:cTn dur="1000"/>
                                         <p:tgtEl>
-                                          <p:spTgt spid="155">
+                                          <p:spTgt spid="161">
                                             <p:txEl>
                                               <p:pRg end="6" st="6"/>
                                             </p:txEl>
@@ -10500,7 +11186,7 @@
                                           </p:stCondLst>
                                         </p:cTn>
                                         <p:tgtEl>
-                                          <p:spTgt spid="155">
+                                          <p:spTgt spid="161">
                                             <p:txEl>
                                               <p:pRg end="7" st="7"/>
                                             </p:txEl>
@@ -10518,7 +11204,7 @@
                                       <p:cBhvr>
                                         <p:cTn dur="1000"/>
                                         <p:tgtEl>
-                                          <p:spTgt spid="155">
+                                          <p:spTgt spid="161">
                                             <p:txEl>
                                               <p:pRg end="7" st="7"/>
                                             </p:txEl>
@@ -10561,7 +11247,7 @@
                                           </p:stCondLst>
                                         </p:cTn>
                                         <p:tgtEl>
-                                          <p:spTgt spid="155">
+                                          <p:spTgt spid="161">
                                             <p:txEl>
                                               <p:pRg end="8" st="8"/>
                                             </p:txEl>
@@ -10579,7 +11265,7 @@
                                       <p:cBhvr>
                                         <p:cTn dur="1000"/>
                                         <p:tgtEl>
-                                          <p:spTgt spid="155">
+                                          <p:spTgt spid="161">
                                             <p:txEl>
                                               <p:pRg end="8" st="8"/>
                                             </p:txEl>
@@ -10622,7 +11308,7 @@
                                           </p:stCondLst>
                                         </p:cTn>
                                         <p:tgtEl>
-                                          <p:spTgt spid="155">
+                                          <p:spTgt spid="161">
                                             <p:txEl>
                                               <p:pRg end="9" st="9"/>
                                             </p:txEl>
@@ -10640,7 +11326,7 @@
                                       <p:cBhvr>
                                         <p:cTn dur="1000"/>
                                         <p:tgtEl>
-                                          <p:spTgt spid="155">
+                                          <p:spTgt spid="161">
                                             <p:txEl>
                                               <p:pRg end="9" st="9"/>
                                             </p:txEl>
@@ -10683,7 +11369,7 @@
                                           </p:stCondLst>
                                         </p:cTn>
                                         <p:tgtEl>
-                                          <p:spTgt spid="155">
+                                          <p:spTgt spid="161">
                                             <p:txEl>
                                               <p:pRg end="10" st="10"/>
                                             </p:txEl>
@@ -10701,7 +11387,7 @@
                                       <p:cBhvr>
                                         <p:cTn dur="1000"/>
                                         <p:tgtEl>
-                                          <p:spTgt spid="155">
+                                          <p:spTgt spid="161">
                                             <p:txEl>
                                               <p:pRg end="10" st="10"/>
                                             </p:txEl>
@@ -10766,7 +11452,7 @@
     </p:bg>
     <p:spTree>
       <p:nvGrpSpPr>
-        <p:cNvPr id="160" name="Shape 160"/>
+        <p:cNvPr id="166" name="Shape 166"/>
         <p:cNvGrpSpPr/>
         <p:nvPr/>
       </p:nvGrpSpPr>
@@ -10780,7 +11466,7 @@
       </p:grpSpPr>
       <p:sp>
         <p:nvSpPr>
-          <p:cNvPr id="161" name="Shape 161"/>
+          <p:cNvPr id="167" name="Shape 167"/>
           <p:cNvSpPr txBox="1"/>
           <p:nvPr>
             <p:ph type="title"/>
@@ -10821,7 +11507,7 @@
       </p:sp>
       <p:sp>
         <p:nvSpPr>
-          <p:cNvPr id="162" name="Shape 162"/>
+          <p:cNvPr id="168" name="Shape 168"/>
           <p:cNvSpPr txBox="1"/>
           <p:nvPr>
             <p:ph idx="1" type="body"/>
@@ -11076,7 +11762,7 @@
       </p:sp>
       <p:sp>
         <p:nvSpPr>
-          <p:cNvPr id="163" name="Shape 163"/>
+          <p:cNvPr id="169" name="Shape 169"/>
           <p:cNvSpPr txBox="1"/>
           <p:nvPr>
             <p:ph idx="4294967295" type="subTitle"/>
@@ -11154,7 +11840,7 @@
                                           </p:stCondLst>
                                         </p:cTn>
                                         <p:tgtEl>
-                                          <p:spTgt spid="162">
+                                          <p:spTgt spid="168">
                                             <p:txEl>
                                               <p:pRg end="0" st="0"/>
                                             </p:txEl>
@@ -11172,7 +11858,7 @@
                                       <p:cBhvr>
                                         <p:cTn dur="1000"/>
                                         <p:tgtEl>
-                                          <p:spTgt spid="162">
+                                          <p:spTgt spid="168">
                                             <p:txEl>
                                               <p:pRg end="0" st="0"/>
                                             </p:txEl>
@@ -11215,7 +11901,7 @@
                                           </p:stCondLst>
                                         </p:cTn>
                                         <p:tgtEl>
-                                          <p:spTgt spid="162">
+                                          <p:spTgt spid="168">
                                             <p:txEl>
                                               <p:pRg end="1" st="1"/>
                                             </p:txEl>
@@ -11233,7 +11919,7 @@
                                       <p:cBhvr>
                                         <p:cTn dur="1000"/>
                                         <p:tgtEl>
-                                          <p:spTgt spid="162">
+                                          <p:spTgt spid="168">
                                             <p:txEl>
                                               <p:pRg end="1" st="1"/>
                                             </p:txEl>
@@ -11276,7 +11962,7 @@
                                           </p:stCondLst>
                                         </p:cTn>
                                         <p:tgtEl>
-                                          <p:spTgt spid="162">
+                                          <p:spTgt spid="168">
                                             <p:txEl>
                                               <p:pRg end="2" st="2"/>
                                             </p:txEl>
@@ -11294,7 +11980,7 @@
                                       <p:cBhvr>
                                         <p:cTn dur="1000"/>
                                         <p:tgtEl>
-                                          <p:spTgt spid="162">
+                                          <p:spTgt spid="168">
                                             <p:txEl>
                                               <p:pRg end="2" st="2"/>
                                             </p:txEl>
@@ -11337,7 +12023,7 @@
                                           </p:stCondLst>
                                         </p:cTn>
                                         <p:tgtEl>
-                                          <p:spTgt spid="162">
+                                          <p:spTgt spid="168">
                                             <p:txEl>
                                               <p:pRg end="3" st="3"/>
                                             </p:txEl>
@@ -11355,7 +12041,7 @@
                                       <p:cBhvr>
                                         <p:cTn dur="1000"/>
                                         <p:tgtEl>
-                                          <p:spTgt spid="162">
+                                          <p:spTgt spid="168">
                                             <p:txEl>
                                               <p:pRg end="3" st="3"/>
                                             </p:txEl>
@@ -11398,7 +12084,7 @@
                                           </p:stCondLst>
                                         </p:cTn>
                                         <p:tgtEl>
-                                          <p:spTgt spid="162">
+                                          <p:spTgt spid="168">
                                             <p:txEl>
                                               <p:pRg end="4" st="4"/>
                                             </p:txEl>
@@ -11416,7 +12102,7 @@
                                       <p:cBhvr>
                                         <p:cTn dur="1000"/>
                                         <p:tgtEl>
-                                          <p:spTgt spid="162">
+                                          <p:spTgt spid="168">
                                             <p:txEl>
                                               <p:pRg end="4" st="4"/>
                                             </p:txEl>
@@ -11459,7 +12145,7 @@
                                           </p:stCondLst>
                                         </p:cTn>
                                         <p:tgtEl>
-                                          <p:spTgt spid="162">
+                                          <p:spTgt spid="168">
                                             <p:txEl>
                                               <p:pRg end="5" st="5"/>
                                             </p:txEl>
@@ -11477,7 +12163,7 @@
                                       <p:cBhvr>
                                         <p:cTn dur="1000"/>
                                         <p:tgtEl>
-                                          <p:spTgt spid="162">
+                                          <p:spTgt spid="168">
                                             <p:txEl>
                                               <p:pRg end="5" st="5"/>
                                             </p:txEl>
@@ -11520,7 +12206,7 @@
                                           </p:stCondLst>
                                         </p:cTn>
                                         <p:tgtEl>
-                                          <p:spTgt spid="162">
+                                          <p:spTgt spid="168">
                                             <p:txEl>
                                               <p:pRg end="6" st="6"/>
                                             </p:txEl>
@@ -11538,7 +12224,7 @@
                                       <p:cBhvr>
                                         <p:cTn dur="1000"/>
                                         <p:tgtEl>
-                                          <p:spTgt spid="162">
+                                          <p:spTgt spid="168">
                                             <p:txEl>
                                               <p:pRg end="6" st="6"/>
                                             </p:txEl>
@@ -11581,7 +12267,7 @@
                                           </p:stCondLst>
                                         </p:cTn>
                                         <p:tgtEl>
-                                          <p:spTgt spid="162">
+                                          <p:spTgt spid="168">
                                             <p:txEl>
                                               <p:pRg end="7" st="7"/>
                                             </p:txEl>
@@ -11599,7 +12285,7 @@
                                       <p:cBhvr>
                                         <p:cTn dur="1000"/>
                                         <p:tgtEl>
-                                          <p:spTgt spid="162">
+                                          <p:spTgt spid="168">
                                             <p:txEl>
                                               <p:pRg end="7" st="7"/>
                                             </p:txEl>
@@ -11642,7 +12328,7 @@
                                           </p:stCondLst>
                                         </p:cTn>
                                         <p:tgtEl>
-                                          <p:spTgt spid="162">
+                                          <p:spTgt spid="168">
                                             <p:txEl>
                                               <p:pRg end="8" st="8"/>
                                             </p:txEl>
@@ -11660,7 +12346,7 @@
                                       <p:cBhvr>
                                         <p:cTn dur="1000"/>
                                         <p:tgtEl>
-                                          <p:spTgt spid="162">
+                                          <p:spTgt spid="168">
                                             <p:txEl>
                                               <p:pRg end="8" st="8"/>
                                             </p:txEl>
@@ -11703,7 +12389,7 @@
                                           </p:stCondLst>
                                         </p:cTn>
                                         <p:tgtEl>
-                                          <p:spTgt spid="162">
+                                          <p:spTgt spid="168">
                                             <p:txEl>
                                               <p:pRg end="9" st="9"/>
                                             </p:txEl>
@@ -11721,7 +12407,7 @@
                                       <p:cBhvr>
                                         <p:cTn dur="1000"/>
                                         <p:tgtEl>
-                                          <p:spTgt spid="162">
+                                          <p:spTgt spid="168">
                                             <p:txEl>
                                               <p:pRg end="9" st="9"/>
                                             </p:txEl>
@@ -11764,7 +12450,7 @@
                                           </p:stCondLst>
                                         </p:cTn>
                                         <p:tgtEl>
-                                          <p:spTgt spid="162">
+                                          <p:spTgt spid="168">
                                             <p:txEl>
                                               <p:pRg end="10" st="10"/>
                                             </p:txEl>
@@ -11782,7 +12468,7 @@
                                       <p:cBhvr>
                                         <p:cTn dur="1000"/>
                                         <p:tgtEl>
-                                          <p:spTgt spid="162">
+                                          <p:spTgt spid="168">
                                             <p:txEl>
                                               <p:pRg end="10" st="10"/>
                                             </p:txEl>
@@ -11847,7 +12533,7 @@
     </p:bg>
     <p:spTree>
       <p:nvGrpSpPr>
-        <p:cNvPr id="167" name="Shape 167"/>
+        <p:cNvPr id="173" name="Shape 173"/>
         <p:cNvGrpSpPr/>
         <p:nvPr/>
       </p:nvGrpSpPr>
@@ -11861,7 +12547,7 @@
       </p:grpSpPr>
       <p:sp>
         <p:nvSpPr>
-          <p:cNvPr id="168" name="Shape 168"/>
+          <p:cNvPr id="174" name="Shape 174"/>
           <p:cNvSpPr txBox="1"/>
           <p:nvPr>
             <p:ph type="title"/>
@@ -11902,7 +12588,7 @@
       </p:sp>
       <p:sp>
         <p:nvSpPr>
-          <p:cNvPr id="169" name="Shape 169"/>
+          <p:cNvPr id="175" name="Shape 175"/>
           <p:cNvSpPr txBox="1"/>
           <p:nvPr>
             <p:ph idx="1" type="body"/>
@@ -11948,7 +12634,7 @@
       </p:sp>
       <p:sp>
         <p:nvSpPr>
-          <p:cNvPr id="170" name="Shape 170"/>
+          <p:cNvPr id="176" name="Shape 176"/>
           <p:cNvSpPr txBox="1"/>
           <p:nvPr>
             <p:ph idx="1" type="body"/>
@@ -11992,7 +12678,7 @@
       </p:sp>
       <p:sp>
         <p:nvSpPr>
-          <p:cNvPr id="171" name="Shape 171"/>
+          <p:cNvPr id="177" name="Shape 177"/>
           <p:cNvSpPr/>
           <p:nvPr/>
         </p:nvSpPr>
@@ -12038,7 +12724,7 @@
       </p:sp>
       <p:sp>
         <p:nvSpPr>
-          <p:cNvPr id="172" name="Shape 172"/>
+          <p:cNvPr id="178" name="Shape 178"/>
           <p:cNvSpPr/>
           <p:nvPr/>
         </p:nvSpPr>
@@ -12084,7 +12770,7 @@
       </p:sp>
       <p:sp>
         <p:nvSpPr>
-          <p:cNvPr id="173" name="Shape 173"/>
+          <p:cNvPr id="179" name="Shape 179"/>
           <p:cNvSpPr/>
           <p:nvPr/>
         </p:nvSpPr>
@@ -12130,7 +12816,7 @@
       </p:sp>
       <p:sp>
         <p:nvSpPr>
-          <p:cNvPr id="174" name="Shape 174"/>
+          <p:cNvPr id="180" name="Shape 180"/>
           <p:cNvSpPr/>
           <p:nvPr/>
         </p:nvSpPr>
@@ -12176,7 +12862,7 @@
       </p:sp>
       <p:sp>
         <p:nvSpPr>
-          <p:cNvPr id="175" name="Shape 175"/>
+          <p:cNvPr id="181" name="Shape 181"/>
           <p:cNvSpPr txBox="1"/>
           <p:nvPr/>
         </p:nvSpPr>
@@ -12219,7 +12905,7 @@
       </p:sp>
       <p:pic>
         <p:nvPicPr>
-          <p:cNvPr descr="Synchronous_Programming.jpg" id="176" name="Shape 176"/>
+          <p:cNvPr descr="Synchronous_Programming.jpg" id="182" name="Shape 182"/>
           <p:cNvPicPr preferRelativeResize="0"/>
           <p:nvPr/>
         </p:nvPicPr>
@@ -12247,9 +12933,9 @@
       </p:pic>
       <p:cxnSp>
         <p:nvCxnSpPr>
-          <p:cNvPr id="177" name="Shape 177"/>
+          <p:cNvPr id="183" name="Shape 183"/>
           <p:cNvCxnSpPr>
-            <a:stCxn id="172" idx="1"/>
+            <a:stCxn id="178" idx="1"/>
           </p:cNvCxnSpPr>
           <p:nvPr/>
         </p:nvCxnSpPr>
@@ -12275,7 +12961,7 @@
       </p:cxnSp>
       <p:cxnSp>
         <p:nvCxnSpPr>
-          <p:cNvPr id="178" name="Shape 178"/>
+          <p:cNvPr id="184" name="Shape 184"/>
           <p:cNvCxnSpPr/>
           <p:nvPr/>
         </p:nvCxnSpPr>
@@ -12301,7 +12987,7 @@
       </p:cxnSp>
       <p:cxnSp>
         <p:nvCxnSpPr>
-          <p:cNvPr id="179" name="Shape 179"/>
+          <p:cNvPr id="185" name="Shape 185"/>
           <p:cNvCxnSpPr/>
           <p:nvPr/>
         </p:nvCxnSpPr>
@@ -12327,7 +13013,7 @@
       </p:cxnSp>
       <p:sp>
         <p:nvSpPr>
-          <p:cNvPr id="180" name="Shape 180"/>
+          <p:cNvPr id="186" name="Shape 186"/>
           <p:cNvSpPr txBox="1"/>
           <p:nvPr/>
         </p:nvSpPr>
@@ -12370,7 +13056,7 @@
       </p:sp>
       <p:sp>
         <p:nvSpPr>
-          <p:cNvPr id="181" name="Shape 181"/>
+          <p:cNvPr id="187" name="Shape 187"/>
           <p:cNvSpPr txBox="1"/>
           <p:nvPr>
             <p:ph idx="4294967295" type="subTitle"/>
@@ -12451,7 +13137,7 @@
                                           </p:stCondLst>
                                         </p:cTn>
                                         <p:tgtEl>
-                                          <p:spTgt spid="168"/>
+                                          <p:spTgt spid="174"/>
                                         </p:tgtEl>
                                         <p:attrNameLst>
                                           <p:attrName>style.visibility</p:attrName>
@@ -12465,7 +13151,7 @@
                                       <p:cBhvr>
                                         <p:cTn dur="1000"/>
                                         <p:tgtEl>
-                                          <p:spTgt spid="168"/>
+                                          <p:spTgt spid="174"/>
                                         </p:tgtEl>
                                       </p:cBhvr>
                                     </p:animEffect>
@@ -12495,7 +13181,7 @@
                                           </p:stCondLst>
                                         </p:cTn>
                                         <p:tgtEl>
-                                          <p:spTgt spid="169"/>
+                                          <p:spTgt spid="175"/>
                                         </p:tgtEl>
                                         <p:attrNameLst>
                                           <p:attrName>style.visibility</p:attrName>
@@ -12509,7 +13195,7 @@
                                       <p:cBhvr additive="base">
                                         <p:cTn dur="1000"/>
                                         <p:tgtEl>
-                                          <p:spTgt spid="169"/>
+                                          <p:spTgt spid="175"/>
                                         </p:tgtEl>
                                         <p:attrNameLst>
                                           <p:attrName>ppt_x</p:attrName>
@@ -12554,7 +13240,7 @@
                                           </p:stCondLst>
                                         </p:cTn>
                                         <p:tgtEl>
-                                          <p:spTgt spid="176"/>
+                                          <p:spTgt spid="182"/>
                                         </p:tgtEl>
                                         <p:attrNameLst>
                                           <p:attrName>style.visibility</p:attrName>
@@ -12568,182 +13254,7 @@
                                       <p:cBhvr>
                                         <p:cTn dur="1000"/>
                                         <p:tgtEl>
-                                          <p:spTgt spid="176"/>
-                                        </p:tgtEl>
-                                      </p:cBhvr>
-                                    </p:animEffect>
-                                  </p:childTnLst>
-                                </p:cTn>
-                              </p:par>
-                              <p:par>
-                                <p:cTn fill="hold" nodeType="withEffect" presetClass="entr" presetID="10" presetSubtype="0">
-                                  <p:stCondLst>
-                                    <p:cond delay="0"/>
-                                  </p:stCondLst>
-                                  <p:childTnLst>
-                                    <p:set>
-                                      <p:cBhvr>
-                                        <p:cTn dur="1" fill="hold">
-                                          <p:stCondLst>
-                                            <p:cond delay="0"/>
-                                          </p:stCondLst>
-                                        </p:cTn>
-                                        <p:tgtEl>
-                                          <p:spTgt spid="171"/>
-                                        </p:tgtEl>
-                                        <p:attrNameLst>
-                                          <p:attrName>style.visibility</p:attrName>
-                                        </p:attrNameLst>
-                                      </p:cBhvr>
-                                      <p:to>
-                                        <p:strVal val="visible"/>
-                                      </p:to>
-                                    </p:set>
-                                    <p:animEffect filter="fade" transition="in">
-                                      <p:cBhvr>
-                                        <p:cTn dur="1000"/>
-                                        <p:tgtEl>
-                                          <p:spTgt spid="171"/>
-                                        </p:tgtEl>
-                                      </p:cBhvr>
-                                    </p:animEffect>
-                                  </p:childTnLst>
-                                </p:cTn>
-                              </p:par>
-                              <p:par>
-                                <p:cTn fill="hold" nodeType="withEffect" presetClass="entr" presetID="10" presetSubtype="0">
-                                  <p:stCondLst>
-                                    <p:cond delay="0"/>
-                                  </p:stCondLst>
-                                  <p:childTnLst>
-                                    <p:set>
-                                      <p:cBhvr>
-                                        <p:cTn dur="1" fill="hold">
-                                          <p:stCondLst>
-                                            <p:cond delay="0"/>
-                                          </p:stCondLst>
-                                        </p:cTn>
-                                        <p:tgtEl>
-                                          <p:spTgt spid="172"/>
-                                        </p:tgtEl>
-                                        <p:attrNameLst>
-                                          <p:attrName>style.visibility</p:attrName>
-                                        </p:attrNameLst>
-                                      </p:cBhvr>
-                                      <p:to>
-                                        <p:strVal val="visible"/>
-                                      </p:to>
-                                    </p:set>
-                                    <p:animEffect filter="fade" transition="in">
-                                      <p:cBhvr>
-                                        <p:cTn dur="1000"/>
-                                        <p:tgtEl>
-                                          <p:spTgt spid="172"/>
-                                        </p:tgtEl>
-                                      </p:cBhvr>
-                                    </p:animEffect>
-                                  </p:childTnLst>
-                                </p:cTn>
-                              </p:par>
-                              <p:par>
-                                <p:cTn fill="hold" nodeType="withEffect" presetClass="entr" presetID="10" presetSubtype="0">
-                                  <p:stCondLst>
-                                    <p:cond delay="0"/>
-                                  </p:stCondLst>
-                                  <p:childTnLst>
-                                    <p:set>
-                                      <p:cBhvr>
-                                        <p:cTn dur="1" fill="hold">
-                                          <p:stCondLst>
-                                            <p:cond delay="0"/>
-                                          </p:stCondLst>
-                                        </p:cTn>
-                                        <p:tgtEl>
-                                          <p:spTgt spid="173"/>
-                                        </p:tgtEl>
-                                        <p:attrNameLst>
-                                          <p:attrName>style.visibility</p:attrName>
-                                        </p:attrNameLst>
-                                      </p:cBhvr>
-                                      <p:to>
-                                        <p:strVal val="visible"/>
-                                      </p:to>
-                                    </p:set>
-                                    <p:animEffect filter="fade" transition="in">
-                                      <p:cBhvr>
-                                        <p:cTn dur="1000"/>
-                                        <p:tgtEl>
-                                          <p:spTgt spid="173"/>
-                                        </p:tgtEl>
-                                      </p:cBhvr>
-                                    </p:animEffect>
-                                  </p:childTnLst>
-                                </p:cTn>
-                              </p:par>
-                              <p:par>
-                                <p:cTn fill="hold" nodeType="withEffect" presetClass="entr" presetID="10" presetSubtype="0">
-                                  <p:stCondLst>
-                                    <p:cond delay="0"/>
-                                  </p:stCondLst>
-                                  <p:childTnLst>
-                                    <p:set>
-                                      <p:cBhvr>
-                                        <p:cTn dur="1" fill="hold">
-                                          <p:stCondLst>
-                                            <p:cond delay="0"/>
-                                          </p:stCondLst>
-                                        </p:cTn>
-                                        <p:tgtEl>
-                                          <p:spTgt spid="174"/>
-                                        </p:tgtEl>
-                                        <p:attrNameLst>
-                                          <p:attrName>style.visibility</p:attrName>
-                                        </p:attrNameLst>
-                                      </p:cBhvr>
-                                      <p:to>
-                                        <p:strVal val="visible"/>
-                                      </p:to>
-                                    </p:set>
-                                    <p:animEffect filter="fade" transition="in">
-                                      <p:cBhvr>
-                                        <p:cTn dur="1000"/>
-                                        <p:tgtEl>
-                                          <p:spTgt spid="174"/>
-                                        </p:tgtEl>
-                                      </p:cBhvr>
-                                    </p:animEffect>
-                                  </p:childTnLst>
-                                </p:cTn>
-                              </p:par>
-                              <p:par>
-                                <p:cTn fill="hold" nodeType="withEffect" presetClass="entr" presetID="10" presetSubtype="0">
-                                  <p:stCondLst>
-                                    <p:cond delay="0"/>
-                                  </p:stCondLst>
-                                  <p:childTnLst>
-                                    <p:set>
-                                      <p:cBhvr>
-                                        <p:cTn dur="1" fill="hold">
-                                          <p:stCondLst>
-                                            <p:cond delay="0"/>
-                                          </p:stCondLst>
-                                        </p:cTn>
-                                        <p:tgtEl>
-                                          <p:spTgt spid="175"/>
-                                        </p:tgtEl>
-                                        <p:attrNameLst>
-                                          <p:attrName>style.visibility</p:attrName>
-                                        </p:attrNameLst>
-                                      </p:cBhvr>
-                                      <p:to>
-                                        <p:strVal val="visible"/>
-                                      </p:to>
-                                    </p:set>
-                                    <p:animEffect filter="fade" transition="in">
-                                      <p:cBhvr>
-                                        <p:cTn dur="1000"/>
-                                        <p:tgtEl>
-                                          <p:spTgt spid="175"/>
+                                          <p:spTgt spid="182"/>
                                         </p:tgtEl>
                                       </p:cBhvr>
                                     </p:animEffect>
@@ -12890,6 +13401,181 @@
                                   </p:childTnLst>
                                 </p:cTn>
                               </p:par>
+                              <p:par>
+                                <p:cTn fill="hold" nodeType="withEffect" presetClass="entr" presetID="10" presetSubtype="0">
+                                  <p:stCondLst>
+                                    <p:cond delay="0"/>
+                                  </p:stCondLst>
+                                  <p:childTnLst>
+                                    <p:set>
+                                      <p:cBhvr>
+                                        <p:cTn dur="1" fill="hold">
+                                          <p:stCondLst>
+                                            <p:cond delay="0"/>
+                                          </p:stCondLst>
+                                        </p:cTn>
+                                        <p:tgtEl>
+                                          <p:spTgt spid="181"/>
+                                        </p:tgtEl>
+                                        <p:attrNameLst>
+                                          <p:attrName>style.visibility</p:attrName>
+                                        </p:attrNameLst>
+                                      </p:cBhvr>
+                                      <p:to>
+                                        <p:strVal val="visible"/>
+                                      </p:to>
+                                    </p:set>
+                                    <p:animEffect filter="fade" transition="in">
+                                      <p:cBhvr>
+                                        <p:cTn dur="1000"/>
+                                        <p:tgtEl>
+                                          <p:spTgt spid="181"/>
+                                        </p:tgtEl>
+                                      </p:cBhvr>
+                                    </p:animEffect>
+                                  </p:childTnLst>
+                                </p:cTn>
+                              </p:par>
+                              <p:par>
+                                <p:cTn fill="hold" nodeType="withEffect" presetClass="entr" presetID="10" presetSubtype="0">
+                                  <p:stCondLst>
+                                    <p:cond delay="0"/>
+                                  </p:stCondLst>
+                                  <p:childTnLst>
+                                    <p:set>
+                                      <p:cBhvr>
+                                        <p:cTn dur="1" fill="hold">
+                                          <p:stCondLst>
+                                            <p:cond delay="0"/>
+                                          </p:stCondLst>
+                                        </p:cTn>
+                                        <p:tgtEl>
+                                          <p:spTgt spid="183"/>
+                                        </p:tgtEl>
+                                        <p:attrNameLst>
+                                          <p:attrName>style.visibility</p:attrName>
+                                        </p:attrNameLst>
+                                      </p:cBhvr>
+                                      <p:to>
+                                        <p:strVal val="visible"/>
+                                      </p:to>
+                                    </p:set>
+                                    <p:animEffect filter="fade" transition="in">
+                                      <p:cBhvr>
+                                        <p:cTn dur="1000"/>
+                                        <p:tgtEl>
+                                          <p:spTgt spid="183"/>
+                                        </p:tgtEl>
+                                      </p:cBhvr>
+                                    </p:animEffect>
+                                  </p:childTnLst>
+                                </p:cTn>
+                              </p:par>
+                              <p:par>
+                                <p:cTn fill="hold" nodeType="withEffect" presetClass="entr" presetID="10" presetSubtype="0">
+                                  <p:stCondLst>
+                                    <p:cond delay="0"/>
+                                  </p:stCondLst>
+                                  <p:childTnLst>
+                                    <p:set>
+                                      <p:cBhvr>
+                                        <p:cTn dur="1" fill="hold">
+                                          <p:stCondLst>
+                                            <p:cond delay="0"/>
+                                          </p:stCondLst>
+                                        </p:cTn>
+                                        <p:tgtEl>
+                                          <p:spTgt spid="184"/>
+                                        </p:tgtEl>
+                                        <p:attrNameLst>
+                                          <p:attrName>style.visibility</p:attrName>
+                                        </p:attrNameLst>
+                                      </p:cBhvr>
+                                      <p:to>
+                                        <p:strVal val="visible"/>
+                                      </p:to>
+                                    </p:set>
+                                    <p:animEffect filter="fade" transition="in">
+                                      <p:cBhvr>
+                                        <p:cTn dur="1000"/>
+                                        <p:tgtEl>
+                                          <p:spTgt spid="184"/>
+                                        </p:tgtEl>
+                                      </p:cBhvr>
+                                    </p:animEffect>
+                                  </p:childTnLst>
+                                </p:cTn>
+                              </p:par>
+                              <p:par>
+                                <p:cTn fill="hold" nodeType="withEffect" presetClass="entr" presetID="10" presetSubtype="0">
+                                  <p:stCondLst>
+                                    <p:cond delay="0"/>
+                                  </p:stCondLst>
+                                  <p:childTnLst>
+                                    <p:set>
+                                      <p:cBhvr>
+                                        <p:cTn dur="1" fill="hold">
+                                          <p:stCondLst>
+                                            <p:cond delay="0"/>
+                                          </p:stCondLst>
+                                        </p:cTn>
+                                        <p:tgtEl>
+                                          <p:spTgt spid="185"/>
+                                        </p:tgtEl>
+                                        <p:attrNameLst>
+                                          <p:attrName>style.visibility</p:attrName>
+                                        </p:attrNameLst>
+                                      </p:cBhvr>
+                                      <p:to>
+                                        <p:strVal val="visible"/>
+                                      </p:to>
+                                    </p:set>
+                                    <p:animEffect filter="fade" transition="in">
+                                      <p:cBhvr>
+                                        <p:cTn dur="1000"/>
+                                        <p:tgtEl>
+                                          <p:spTgt spid="185"/>
+                                        </p:tgtEl>
+                                      </p:cBhvr>
+                                    </p:animEffect>
+                                  </p:childTnLst>
+                                </p:cTn>
+                              </p:par>
+                              <p:par>
+                                <p:cTn fill="hold" nodeType="withEffect" presetClass="entr" presetID="10" presetSubtype="0">
+                                  <p:stCondLst>
+                                    <p:cond delay="0"/>
+                                  </p:stCondLst>
+                                  <p:childTnLst>
+                                    <p:set>
+                                      <p:cBhvr>
+                                        <p:cTn dur="1" fill="hold">
+                                          <p:stCondLst>
+                                            <p:cond delay="0"/>
+                                          </p:stCondLst>
+                                        </p:cTn>
+                                        <p:tgtEl>
+                                          <p:spTgt spid="186"/>
+                                        </p:tgtEl>
+                                        <p:attrNameLst>
+                                          <p:attrName>style.visibility</p:attrName>
+                                        </p:attrNameLst>
+                                      </p:cBhvr>
+                                      <p:to>
+                                        <p:strVal val="visible"/>
+                                      </p:to>
+                                    </p:set>
+                                    <p:animEffect filter="fade" transition="in">
+                                      <p:cBhvr>
+                                        <p:cTn dur="1000"/>
+                                        <p:tgtEl>
+                                          <p:spTgt spid="186"/>
+                                        </p:tgtEl>
+                                      </p:cBhvr>
+                                    </p:animEffect>
+                                  </p:childTnLst>
+                                </p:cTn>
+                              </p:par>
                             </p:childTnLst>
                           </p:cTn>
                         </p:par>
@@ -12922,7 +13608,7 @@
                                           </p:stCondLst>
                                         </p:cTn>
                                         <p:tgtEl>
-                                          <p:spTgt spid="170"/>
+                                          <p:spTgt spid="176"/>
                                         </p:tgtEl>
                                         <p:attrNameLst>
                                           <p:attrName>style.visibility</p:attrName>
@@ -12936,7 +13622,7 @@
                                       <p:cBhvr additive="base">
                                         <p:cTn dur="1000"/>
                                         <p:tgtEl>
-                                          <p:spTgt spid="170"/>
+                                          <p:spTgt spid="176"/>
                                         </p:tgtEl>
                                         <p:attrNameLst>
                                           <p:attrName>ppt_y</p:attrName>
@@ -13012,7 +13698,7 @@
     </p:bg>
     <p:spTree>
       <p:nvGrpSpPr>
-        <p:cNvPr id="185" name="Shape 185"/>
+        <p:cNvPr id="191" name="Shape 191"/>
         <p:cNvGrpSpPr/>
         <p:nvPr/>
       </p:nvGrpSpPr>
@@ -13026,7 +13712,7 @@
       </p:grpSpPr>
       <p:sp>
         <p:nvSpPr>
-          <p:cNvPr id="186" name="Shape 186"/>
+          <p:cNvPr id="192" name="Shape 192"/>
           <p:cNvSpPr txBox="1"/>
           <p:nvPr>
             <p:ph type="title"/>
@@ -13062,7 +13748,7 @@
       </p:sp>
       <p:sp>
         <p:nvSpPr>
-          <p:cNvPr id="187" name="Shape 187"/>
+          <p:cNvPr id="193" name="Shape 193"/>
           <p:cNvSpPr/>
           <p:nvPr/>
         </p:nvSpPr>
@@ -13108,7 +13794,7 @@
       </p:sp>
       <p:sp>
         <p:nvSpPr>
-          <p:cNvPr id="188" name="Shape 188"/>
+          <p:cNvPr id="194" name="Shape 194"/>
           <p:cNvSpPr/>
           <p:nvPr/>
         </p:nvSpPr>
@@ -13154,7 +13840,7 @@
       </p:sp>
       <p:sp>
         <p:nvSpPr>
-          <p:cNvPr id="189" name="Shape 189"/>
+          <p:cNvPr id="195" name="Shape 195"/>
           <p:cNvSpPr txBox="1"/>
           <p:nvPr/>
         </p:nvSpPr>
@@ -13206,7 +13892,7 @@
       </p:sp>
       <p:pic>
         <p:nvPicPr>
-          <p:cNvPr descr="Synchronous_Programming.jpg" id="190" name="Shape 190"/>
+          <p:cNvPr descr="Synchronous_Programming.jpg" id="196" name="Shape 196"/>
           <p:cNvPicPr preferRelativeResize="0"/>
           <p:nvPr/>
         </p:nvPicPr>
@@ -13234,7 +13920,7 @@
       </p:pic>
       <p:sp>
         <p:nvSpPr>
-          <p:cNvPr id="191" name="Shape 191"/>
+          <p:cNvPr id="197" name="Shape 197"/>
           <p:cNvSpPr/>
           <p:nvPr/>
         </p:nvSpPr>
@@ -13280,7 +13966,7 @@
       </p:sp>
       <p:sp>
         <p:nvSpPr>
-          <p:cNvPr id="192" name="Shape 192"/>
+          <p:cNvPr id="198" name="Shape 198"/>
           <p:cNvSpPr txBox="1"/>
           <p:nvPr/>
         </p:nvSpPr>
@@ -13332,7 +14018,7 @@
       </p:sp>
       <p:sp>
         <p:nvSpPr>
-          <p:cNvPr id="193" name="Shape 193"/>
+          <p:cNvPr id="199" name="Shape 199"/>
           <p:cNvSpPr txBox="1"/>
           <p:nvPr>
             <p:ph idx="4294967295" type="subTitle"/>
@@ -13410,7 +14096,7 @@
                                           </p:stCondLst>
                                         </p:cTn>
                                         <p:tgtEl>
-                                          <p:spTgt spid="188"/>
+                                          <p:spTgt spid="194"/>
                                         </p:tgtEl>
                                         <p:attrNameLst>
                                           <p:attrName>style.visibility</p:attrName>
@@ -13424,7 +14110,7 @@
                                       <p:cBhvr>
                                         <p:cTn dur="1000"/>
                                         <p:tgtEl>
-                                          <p:spTgt spid="188"/>
+                                          <p:spTgt spid="194"/>
                                         </p:tgtEl>
                                       </p:cBhvr>
                                     </p:animEffect>
@@ -13459,7 +14145,7 @@
                                       <p:cBhvr>
                                         <p:cTn dur="1000"/>
                                         <p:tgtEl>
-                                          <p:spTgt spid="188"/>
+                                          <p:spTgt spid="194"/>
                                         </p:tgtEl>
                                       </p:cBhvr>
                                     </p:animEffect>
@@ -13471,7 +14157,7 @@
                                           </p:stCondLst>
                                         </p:cTn>
                                         <p:tgtEl>
-                                          <p:spTgt spid="188"/>
+                                          <p:spTgt spid="194"/>
                                         </p:tgtEl>
                                         <p:attrNameLst>
                                           <p:attrName>style.visibility</p:attrName>
@@ -13498,7 +14184,7 @@
                                           </p:stCondLst>
                                         </p:cTn>
                                         <p:tgtEl>
-                                          <p:spTgt spid="187"/>
+                                          <p:spTgt spid="193"/>
                                         </p:tgtEl>
                                         <p:attrNameLst>
                                           <p:attrName>style.visibility</p:attrName>
@@ -13512,7 +14198,7 @@
                                       <p:cBhvr>
                                         <p:cTn dur="1000"/>
                                         <p:tgtEl>
-                                          <p:spTgt spid="187"/>
+                                          <p:spTgt spid="193"/>
                                         </p:tgtEl>
                                       </p:cBhvr>
                                     </p:animEffect>
@@ -13551,7 +14237,7 @@
                                           </p:stCondLst>
                                         </p:cTn>
                                         <p:tgtEl>
-                                          <p:spTgt spid="188"/>
+                                          <p:spTgt spid="194"/>
                                         </p:tgtEl>
                                         <p:attrNameLst>
                                           <p:attrName>style.visibility</p:attrName>
@@ -13565,7 +14251,7 @@
                                       <p:cBhvr>
                                         <p:cTn dur="1000"/>
                                         <p:tgtEl>
-                                          <p:spTgt spid="188"/>
+                                          <p:spTgt spid="194"/>
                                         </p:tgtEl>
                                       </p:cBhvr>
                                     </p:animEffect>
@@ -13604,7 +14290,7 @@
                                           </p:stCondLst>
                                         </p:cTn>
                                         <p:tgtEl>
-                                          <p:spTgt spid="192"/>
+                                          <p:spTgt spid="198"/>
                                         </p:tgtEl>
                                         <p:attrNameLst>
                                           <p:attrName>style.visibility</p:attrName>
@@ -13618,7 +14304,7 @@
                                       <p:cBhvr>
                                         <p:cTn dur="1000"/>
                                         <p:tgtEl>
-                                          <p:spTgt spid="192"/>
+                                          <p:spTgt spid="198"/>
                                         </p:tgtEl>
                                       </p:cBhvr>
                                     </p:animEffect>
@@ -13653,7 +14339,7 @@
                                       <p:cBhvr>
                                         <p:cTn dur="1000"/>
                                         <p:tgtEl>
-                                          <p:spTgt spid="187"/>
+                                          <p:spTgt spid="193"/>
                                         </p:tgtEl>
                                       </p:cBhvr>
                                     </p:animEffect>
@@ -13665,7 +14351,7 @@
                                           </p:stCondLst>
                                         </p:cTn>
                                         <p:tgtEl>
-                                          <p:spTgt spid="187"/>
+                                          <p:spTgt spid="193"/>
                                         </p:tgtEl>
                                         <p:attrNameLst>
                                           <p:attrName>style.visibility</p:attrName>
@@ -13688,7 +14374,7 @@
                                       <p:cBhvr>
                                         <p:cTn dur="1000"/>
                                         <p:tgtEl>
-                                          <p:spTgt spid="192"/>
+                                          <p:spTgt spid="198"/>
                                         </p:tgtEl>
                                       </p:cBhvr>
                                     </p:animEffect>
@@ -13700,7 +14386,7 @@
                                           </p:stCondLst>
                                         </p:cTn>
                                         <p:tgtEl>
-                                          <p:spTgt spid="192"/>
+                                          <p:spTgt spid="198"/>
                                         </p:tgtEl>
                                         <p:attrNameLst>
                                           <p:attrName>style.visibility</p:attrName>
@@ -13727,7 +14413,7 @@
                                           </p:stCondLst>
                                         </p:cTn>
                                         <p:tgtEl>
-                                          <p:spTgt spid="191"/>
+                                          <p:spTgt spid="197"/>
                                         </p:tgtEl>
                                         <p:attrNameLst>
                                           <p:attrName>style.visibility</p:attrName>
@@ -13741,7 +14427,7 @@
                                       <p:cBhvr>
                                         <p:cTn dur="1000"/>
                                         <p:tgtEl>
-                                          <p:spTgt spid="191"/>
+                                          <p:spTgt spid="197"/>
                                         </p:tgtEl>
                                       </p:cBhvr>
                                     </p:animEffect>
@@ -13776,7 +14462,7 @@
                                       <p:cBhvr>
                                         <p:cTn dur="1000"/>
                                         <p:tgtEl>
-                                          <p:spTgt spid="188"/>
+                                          <p:spTgt spid="194"/>
                                         </p:tgtEl>
                                       </p:cBhvr>
                                     </p:animEffect>
@@ -13788,7 +14474,7 @@
                                           </p:stCondLst>
                                         </p:cTn>
                                         <p:tgtEl>
-                                          <p:spTgt spid="188"/>
+                                          <p:spTgt spid="194"/>
                                         </p:tgtEl>
                                         <p:attrNameLst>
                                           <p:attrName>style.visibility</p:attrName>
@@ -13815,7 +14501,7 @@
                                           </p:stCondLst>
                                         </p:cTn>
                                         <p:tgtEl>
-                                          <p:spTgt spid="187"/>
+                                          <p:spTgt spid="193"/>
                                         </p:tgtEl>
                                         <p:attrNameLst>
                                           <p:attrName>style.visibility</p:attrName>
@@ -13829,7 +14515,7 @@
                                       <p:cBhvr>
                                         <p:cTn dur="1000"/>
                                         <p:tgtEl>
-                                          <p:spTgt spid="187"/>
+                                          <p:spTgt spid="193"/>
                                         </p:tgtEl>
                                       </p:cBhvr>
                                     </p:animEffect>
@@ -13868,7 +14554,7 @@
                                           </p:stCondLst>
                                         </p:cTn>
                                         <p:tgtEl>
-                                          <p:spTgt spid="188"/>
+                                          <p:spTgt spid="194"/>
                                         </p:tgtEl>
                                         <p:attrNameLst>
                                           <p:attrName>style.visibility</p:attrName>
@@ -13882,7 +14568,7 @@
                                       <p:cBhvr>
                                         <p:cTn dur="1000"/>
                                         <p:tgtEl>
-                                          <p:spTgt spid="188"/>
+                                          <p:spTgt spid="194"/>
                                         </p:tgtEl>
                                       </p:cBhvr>
                                     </p:animEffect>
@@ -13943,7 +14629,7 @@
     </p:bg>
     <p:spTree>
       <p:nvGrpSpPr>
-        <p:cNvPr id="197" name="Shape 197"/>
+        <p:cNvPr id="203" name="Shape 203"/>
         <p:cNvGrpSpPr/>
         <p:nvPr/>
       </p:nvGrpSpPr>
@@ -13957,7 +14643,7 @@
       </p:grpSpPr>
       <p:sp>
         <p:nvSpPr>
-          <p:cNvPr id="198" name="Shape 198"/>
+          <p:cNvPr id="204" name="Shape 204"/>
           <p:cNvSpPr txBox="1"/>
           <p:nvPr>
             <p:ph type="title"/>
@@ -13993,7 +14679,7 @@
       </p:sp>
       <p:sp>
         <p:nvSpPr>
-          <p:cNvPr id="199" name="Shape 199"/>
+          <p:cNvPr id="205" name="Shape 205"/>
           <p:cNvSpPr txBox="1"/>
           <p:nvPr>
             <p:ph idx="1" type="subTitle"/>
@@ -14034,7 +14720,7 @@
       </p:sp>
       <p:sp>
         <p:nvSpPr>
-          <p:cNvPr id="200" name="Shape 200"/>
+          <p:cNvPr id="206" name="Shape 206"/>
           <p:cNvSpPr txBox="1"/>
           <p:nvPr>
             <p:ph idx="2" type="body"/>
@@ -14145,7 +14831,7 @@
                                           </p:stCondLst>
                                         </p:cTn>
                                         <p:tgtEl>
-                                          <p:spTgt spid="200">
+                                          <p:spTgt spid="206">
                                             <p:txEl>
                                               <p:pRg end="0" st="0"/>
                                             </p:txEl>
@@ -14163,7 +14849,7 @@
                                       <p:cBhvr>
                                         <p:cTn dur="1000"/>
                                         <p:tgtEl>
-                                          <p:spTgt spid="200">
+                                          <p:spTgt spid="206">
                                             <p:txEl>
                                               <p:pRg end="0" st="0"/>
                                             </p:txEl>
@@ -14206,7 +14892,7 @@
                                           </p:stCondLst>
                                         </p:cTn>
                                         <p:tgtEl>
-                                          <p:spTgt spid="200">
+                                          <p:spTgt spid="206">
                                             <p:txEl>
                                               <p:pRg end="1" st="1"/>
                                             </p:txEl>
@@ -14224,7 +14910,7 @@
                                       <p:cBhvr>
                                         <p:cTn dur="1000"/>
                                         <p:tgtEl>
-                                          <p:spTgt spid="200">
+                                          <p:spTgt spid="206">
                                             <p:txEl>
                                               <p:pRg end="1" st="1"/>
                                             </p:txEl>
@@ -14267,7 +14953,7 @@
                                           </p:stCondLst>
                                         </p:cTn>
                                         <p:tgtEl>
-                                          <p:spTgt spid="200">
+                                          <p:spTgt spid="206">
                                             <p:txEl>
                                               <p:pRg end="2" st="2"/>
                                             </p:txEl>
@@ -14285,7 +14971,7 @@
                                       <p:cBhvr>
                                         <p:cTn dur="1000"/>
                                         <p:tgtEl>
-                                          <p:spTgt spid="200">
+                                          <p:spTgt spid="206">
                                             <p:txEl>
                                               <p:pRg end="2" st="2"/>
                                             </p:txEl>
@@ -14350,7 +15036,7 @@
     </p:bg>
     <p:spTree>
       <p:nvGrpSpPr>
-        <p:cNvPr id="204" name="Shape 204"/>
+        <p:cNvPr id="210" name="Shape 210"/>
         <p:cNvGrpSpPr/>
         <p:nvPr/>
       </p:nvGrpSpPr>
@@ -14364,7 +15050,7 @@
       </p:grpSpPr>
       <p:sp>
         <p:nvSpPr>
-          <p:cNvPr id="205" name="Shape 205"/>
+          <p:cNvPr id="211" name="Shape 211"/>
           <p:cNvSpPr txBox="1"/>
           <p:nvPr>
             <p:ph type="ctrTitle"/>
@@ -14412,7 +15098,7 @@
       </p:sp>
       <p:sp>
         <p:nvSpPr>
-          <p:cNvPr id="206" name="Shape 206"/>
+          <p:cNvPr id="212" name="Shape 212"/>
           <p:cNvSpPr txBox="1"/>
           <p:nvPr>
             <p:ph idx="1" type="subTitle"/>
@@ -14447,6 +15133,259 @@
                 <a:sym typeface="Macondo Swash Caps"/>
               </a:rPr>
               <a:t>@theBuzzyCoder</a:t>
+            </a:r>
+          </a:p>
+        </p:txBody>
+      </p:sp>
+    </p:spTree>
+  </p:cSld>
+  <p:clrMapOvr>
+    <a:masterClrMapping/>
+  </p:clrMapOvr>
+</p:sld>
+</file>
+
+<file path=ppt/slides/slide8.xml><?xml version="1.0" encoding="utf-8"?>
+<p:sld xmlns:a="http://schemas.openxmlformats.org/drawingml/2006/main" xmlns:r="http://schemas.openxmlformats.org/officeDocument/2006/relationships" xmlns:mc="http://schemas.openxmlformats.org/markup-compatibility/2006" xmlns:mv="urn:schemas-microsoft-com:mac:vml" xmlns:p="http://schemas.openxmlformats.org/presentationml/2006/main" xmlns:c="http://schemas.openxmlformats.org/drawingml/2006/chart" xmlns:dgm="http://schemas.openxmlformats.org/drawingml/2006/diagram" xmlns:o="urn:schemas-microsoft-com:office:office" xmlns:v="urn:schemas-microsoft-com:vml" xmlns:pvml="urn:schemas-microsoft-com:office:powerpoint" xmlns:com="http://schemas.openxmlformats.org/drawingml/2006/compatibility" xmlns:p14="http://schemas.microsoft.com/office/powerpoint/2010/main" xmlns:p15="http://schemas.microsoft.com/office/powerpoint/2012/main">
+  <p:cSld>
+    <p:spTree>
+      <p:nvGrpSpPr>
+        <p:cNvPr id="216" name="Shape 216"/>
+        <p:cNvGrpSpPr/>
+        <p:nvPr/>
+      </p:nvGrpSpPr>
+      <p:grpSpPr>
+        <a:xfrm>
+          <a:off x="0" y="0"/>
+          <a:ext cx="0" cy="0"/>
+          <a:chOff x="0" y="0"/>
+          <a:chExt cx="0" cy="0"/>
+        </a:xfrm>
+      </p:grpSpPr>
+      <p:sp>
+        <p:nvSpPr>
+          <p:cNvPr id="217" name="Shape 217"/>
+          <p:cNvSpPr txBox="1"/>
+          <p:nvPr>
+            <p:ph type="ctrTitle"/>
+          </p:nvPr>
+        </p:nvSpPr>
+        <p:spPr>
+          <a:xfrm>
+            <a:off x="345650" y="1175222"/>
+            <a:ext cx="7172100" cy="795900"/>
+          </a:xfrm>
+          <a:prstGeom prst="rect">
+            <a:avLst/>
+          </a:prstGeom>
+        </p:spPr>
+        <p:txBody>
+          <a:bodyPr anchorCtr="0" anchor="ctr" bIns="91425" lIns="91425" rIns="91425" wrap="square" tIns="91425">
+            <a:noAutofit/>
+          </a:bodyPr>
+          <a:lstStyle/>
+          <a:p>
+            <a:pPr lvl="0">
+              <a:spcBef>
+                <a:spcPts val="0"/>
+              </a:spcBef>
+              <a:buNone/>
+            </a:pPr>
+            <a:r>
+              <a:rPr lang="en"/>
+              <a:t>Resources and References</a:t>
+            </a:r>
+          </a:p>
+        </p:txBody>
+      </p:sp>
+      <p:sp>
+        <p:nvSpPr>
+          <p:cNvPr id="218" name="Shape 218"/>
+          <p:cNvSpPr txBox="1"/>
+          <p:nvPr>
+            <p:ph idx="1" type="subTitle"/>
+          </p:nvPr>
+        </p:nvSpPr>
+        <p:spPr>
+          <a:xfrm>
+            <a:off x="345650" y="2138917"/>
+            <a:ext cx="7172100" cy="2211000"/>
+          </a:xfrm>
+          <a:prstGeom prst="rect">
+            <a:avLst/>
+          </a:prstGeom>
+        </p:spPr>
+        <p:txBody>
+          <a:bodyPr anchorCtr="0" anchor="t" bIns="91425" lIns="91425" rIns="91425" wrap="square" tIns="91425">
+            <a:noAutofit/>
+          </a:bodyPr>
+          <a:lstStyle/>
+          <a:p>
+            <a:pPr lvl="0" rtl="0">
+              <a:lnSpc>
+                <a:spcPct val="200000"/>
+              </a:lnSpc>
+              <a:spcBef>
+                <a:spcPts val="0"/>
+              </a:spcBef>
+              <a:buNone/>
+            </a:pPr>
+            <a:r>
+              <a:rPr lang="en" u="sng">
+                <a:solidFill>
+                  <a:srgbClr val="FFFFFF"/>
+                </a:solidFill>
+                <a:hlinkClick r:id="rId3"/>
+              </a:rPr>
+              <a:t>https://github.com/theBuzzyCoder/mangaluru_py_meetup/tree/Async/async</a:t>
+            </a:r>
+            <a:r>
+              <a:rPr lang="en">
+                <a:solidFill>
+                  <a:srgbClr val="FFFFFF"/>
+                </a:solidFill>
+              </a:rPr>
+              <a:t> </a:t>
+            </a:r>
+          </a:p>
+          <a:p>
+            <a:pPr lvl="0" rtl="0">
+              <a:lnSpc>
+                <a:spcPct val="200000"/>
+              </a:lnSpc>
+              <a:spcBef>
+                <a:spcPts val="0"/>
+              </a:spcBef>
+              <a:buNone/>
+            </a:pPr>
+            <a:r>
+              <a:rPr lang="en" u="sng">
+                <a:solidFill>
+                  <a:srgbClr val="FFFFFF"/>
+                </a:solidFill>
+                <a:hlinkClick r:id="rId4"/>
+              </a:rPr>
+              <a:t>https://youtu.be/M-UcUs7IMIM</a:t>
+            </a:r>
+            <a:r>
+              <a:rPr lang="en">
+                <a:solidFill>
+                  <a:srgbClr val="FFFFFF"/>
+                </a:solidFill>
+              </a:rPr>
+              <a:t> </a:t>
+            </a:r>
+          </a:p>
+          <a:p>
+            <a:pPr lvl="0" rtl="0">
+              <a:lnSpc>
+                <a:spcPct val="200000"/>
+              </a:lnSpc>
+              <a:spcBef>
+                <a:spcPts val="0"/>
+              </a:spcBef>
+              <a:buNone/>
+            </a:pPr>
+            <a:r>
+              <a:rPr lang="en" u="sng">
+                <a:solidFill>
+                  <a:srgbClr val="FFFFFF"/>
+                </a:solidFill>
+                <a:hlinkClick r:id="rId5"/>
+              </a:rPr>
+              <a:t>https://youtu.be/idLtMISlgy8</a:t>
+            </a:r>
+            <a:r>
+              <a:rPr lang="en">
+                <a:solidFill>
+                  <a:srgbClr val="FFFFFF"/>
+                </a:solidFill>
+              </a:rPr>
+              <a:t> </a:t>
+            </a:r>
+          </a:p>
+          <a:p>
+            <a:pPr lvl="0" rtl="0">
+              <a:lnSpc>
+                <a:spcPct val="200000"/>
+              </a:lnSpc>
+              <a:spcBef>
+                <a:spcPts val="0"/>
+              </a:spcBef>
+              <a:buNone/>
+            </a:pPr>
+            <a:r>
+              <a:rPr lang="en" u="sng">
+                <a:solidFill>
+                  <a:srgbClr val="FFFFFF"/>
+                </a:solidFill>
+                <a:hlinkClick r:id="rId6"/>
+              </a:rPr>
+              <a:t>https://emptysqua.re/blog/links-for-how-python-coroutines-work/</a:t>
+            </a:r>
+            <a:r>
+              <a:rPr lang="en">
+                <a:solidFill>
+                  <a:srgbClr val="FFFFFF"/>
+                </a:solidFill>
+              </a:rPr>
+              <a:t> </a:t>
+            </a:r>
+          </a:p>
+          <a:p>
+            <a:pPr lvl="0" rtl="0">
+              <a:lnSpc>
+                <a:spcPct val="200000"/>
+              </a:lnSpc>
+              <a:spcBef>
+                <a:spcPts val="0"/>
+              </a:spcBef>
+              <a:buNone/>
+            </a:pPr>
+            <a:r>
+              <a:rPr lang="en" u="sng">
+                <a:solidFill>
+                  <a:srgbClr val="FFFFFF"/>
+                </a:solidFill>
+                <a:hlinkClick r:id="rId7"/>
+              </a:rPr>
+              <a:t>https://emptysqua.re/blog/grok-the-gil-fast-thread-safe-python/</a:t>
+            </a:r>
+            <a:r>
+              <a:rPr lang="en">
+                <a:solidFill>
+                  <a:srgbClr val="FFFFFF"/>
+                </a:solidFill>
+              </a:rPr>
+              <a:t> </a:t>
+            </a:r>
+          </a:p>
+          <a:p>
+            <a:pPr lvl="0">
+              <a:lnSpc>
+                <a:spcPct val="200000"/>
+              </a:lnSpc>
+              <a:spcBef>
+                <a:spcPts val="0"/>
+              </a:spcBef>
+              <a:buNone/>
+            </a:pPr>
+            <a:r>
+              <a:rPr lang="en" u="sng">
+                <a:solidFill>
+                  <a:srgbClr val="FFFFFF"/>
+                </a:solidFill>
+                <a:hlinkClick r:id="rId8"/>
+              </a:rPr>
+              <a:t>https://youtu.be/7SSYhuk5hmc</a:t>
+            </a:r>
+            <a:r>
+              <a:rPr lang="en">
+                <a:solidFill>
+                  <a:srgbClr val="FFFFFF"/>
+                </a:solidFill>
+              </a:rPr>
+              <a:t> </a:t>
             </a:r>
           </a:p>
         </p:txBody>
